--- a/Gender Sensitivity Training/SOGIESC Workshop.pptx
+++ b/Gender Sensitivity Training/SOGIESC Workshop.pptx
@@ -27332,23 +27332,7 @@
           <a:p>
             <a:r>
               <a:rPr lang="en-US" dirty="0"/>
-              <a:t>Ano ang gusto </a:t>
-            </a:r>
-            <a:r>
-              <a:rPr lang="en-US" dirty="0" err="1"/>
-              <a:t>mong</a:t>
-            </a:r>
-            <a:r>
-              <a:rPr lang="en-US" dirty="0"/>
-              <a:t> </a:t>
-            </a:r>
-            <a:r>
-              <a:rPr lang="en-US" dirty="0" err="1"/>
-              <a:t>suotin</a:t>
-            </a:r>
-            <a:r>
-              <a:rPr lang="en-US" dirty="0"/>
-              <a:t>?</a:t>
+              <a:t>What do you like to wear?</a:t>
             </a:r>
           </a:p>
         </p:txBody>
@@ -27379,10 +27363,7 @@
           <a:bodyPr/>
           <a:lstStyle/>
           <a:p>
-            <a:r>
-              <a:rPr lang="en-US" dirty="0"/>
-              <a:t>What do you like to wear?</a:t>
-            </a:r>
+            <a:endParaRPr lang="en-US" dirty="0"/>
           </a:p>
         </p:txBody>
       </p:sp>
@@ -28462,20 +28443,8 @@
           <a:lstStyle/>
           <a:p>
             <a:r>
-              <a:rPr lang="en-US" dirty="0" err="1"/>
-              <a:t>Kanino</a:t>
-            </a:r>
-            <a:r>
               <a:rPr lang="en-US" dirty="0"/>
-              <a:t> ka </a:t>
-            </a:r>
-            <a:r>
-              <a:rPr lang="en-US" dirty="0" err="1"/>
-              <a:t>nagkakagusto</a:t>
-            </a:r>
-            <a:r>
-              <a:rPr lang="en-US" dirty="0"/>
-              <a:t>?</a:t>
+              <a:t>To whom are you attracted to?</a:t>
             </a:r>
           </a:p>
         </p:txBody>
@@ -28506,10 +28475,7 @@
           <a:bodyPr/>
           <a:lstStyle/>
           <a:p>
-            <a:r>
-              <a:rPr lang="en-US" dirty="0"/>
-              <a:t>To whom are you attracted to?</a:t>
-            </a:r>
+            <a:endParaRPr lang="en-US" dirty="0"/>
           </a:p>
         </p:txBody>
       </p:sp>
@@ -29842,23 +29808,7 @@
           <a:p>
             <a:r>
               <a:rPr lang="en-US" dirty="0"/>
-              <a:t>Ano ang </a:t>
-            </a:r>
-            <a:r>
-              <a:rPr lang="en-US" dirty="0" err="1"/>
-              <a:t>iyong</a:t>
-            </a:r>
-            <a:r>
-              <a:rPr lang="en-US" dirty="0"/>
-              <a:t> </a:t>
-            </a:r>
-            <a:r>
-              <a:rPr lang="en-US" dirty="0" err="1"/>
-              <a:t>uri</a:t>
-            </a:r>
-            <a:r>
-              <a:rPr lang="en-US" dirty="0"/>
-              <a:t>?</a:t>
+              <a:t>What is your sex?</a:t>
             </a:r>
           </a:p>
         </p:txBody>
@@ -29889,10 +29839,7 @@
           <a:bodyPr/>
           <a:lstStyle/>
           <a:p>
-            <a:r>
-              <a:rPr lang="en-US" dirty="0"/>
-              <a:t>What is your sex?</a:t>
-            </a:r>
+            <a:endParaRPr lang="en-US" dirty="0"/>
           </a:p>
         </p:txBody>
       </p:sp>
@@ -32283,7 +32230,7 @@
           <a:p>
             <a:r>
               <a:rPr lang="en-US" dirty="0"/>
-              <a:t>Ano ka?</a:t>
+              <a:t>What are you?</a:t>
             </a:r>
           </a:p>
         </p:txBody>
@@ -32314,10 +32261,7 @@
           <a:bodyPr/>
           <a:lstStyle/>
           <a:p>
-            <a:r>
-              <a:rPr lang="en-US" dirty="0"/>
-              <a:t>What are you?</a:t>
-            </a:r>
+            <a:endParaRPr lang="en-US" dirty="0"/>
           </a:p>
         </p:txBody>
       </p:sp>
@@ -36022,6 +35966,15 @@
 </file>
 
 <file path=customXml/item2.xml><?xml version="1.0" encoding="utf-8"?>
+<?mso-contentType ?>
+<FormTemplates xmlns="http://schemas.microsoft.com/sharepoint/v3/contenttype/forms">
+  <Display>DocumentLibraryForm</Display>
+  <Edit>DocumentLibraryForm</Edit>
+  <New>DocumentLibraryForm</New>
+</FormTemplates>
+</file>
+
+<file path=customXml/item3.xml><?xml version="1.0" encoding="utf-8"?>
 <p:properties xmlns:p="http://schemas.microsoft.com/office/2006/metadata/properties" xmlns:xsi="http://www.w3.org/2001/XMLSchema-instance" xmlns:pc="http://schemas.microsoft.com/office/infopath/2007/PartnerControls">
   <documentManagement>
     <_ip_UnifiedCompliancePolicyUIAction xmlns="http://schemas.microsoft.com/sharepoint/v3" xsi:nil="true"/>
@@ -36039,15 +35992,6 @@
     <MediaServiceKeyPoints xmlns="71af3243-3dd4-4a8d-8c0d-dd76da1f02a5" xsi:nil="true"/>
   </documentManagement>
 </p:properties>
-</file>
-
-<file path=customXml/item3.xml><?xml version="1.0" encoding="utf-8"?>
-<?mso-contentType ?>
-<FormTemplates xmlns="http://schemas.microsoft.com/sharepoint/v3/contenttype/forms">
-  <Display>DocumentLibraryForm</Display>
-  <Edit>DocumentLibraryForm</Edit>
-  <New>DocumentLibraryForm</New>
-</FormTemplates>
 </file>
 
 <file path=customXml/itemProps1.xml><?xml version="1.0" encoding="utf-8"?>
@@ -36072,6 +36016,14 @@
 </file>
 
 <file path=customXml/itemProps2.xml><?xml version="1.0" encoding="utf-8"?>
+<ds:datastoreItem xmlns:ds="http://schemas.openxmlformats.org/officeDocument/2006/customXml" ds:itemID="{69060146-7700-4F6C-986B-89E3839BD4ED}">
+  <ds:schemaRefs>
+    <ds:schemaRef ds:uri="http://schemas.microsoft.com/sharepoint/v3/contenttype/forms"/>
+  </ds:schemaRefs>
+</ds:datastoreItem>
+</file>
+
+<file path=customXml/itemProps3.xml><?xml version="1.0" encoding="utf-8"?>
 <ds:datastoreItem xmlns:ds="http://schemas.openxmlformats.org/officeDocument/2006/customXml" ds:itemID="{D235FEF8-1733-4347-95CE-3BB62B2B8DD7}">
   <ds:schemaRefs>
     <ds:schemaRef ds:uri="http://schemas.microsoft.com/office/2006/metadata/properties"/>
@@ -36083,14 +36035,6 @@
 </ds:datastoreItem>
 </file>
 
-<file path=customXml/itemProps3.xml><?xml version="1.0" encoding="utf-8"?>
-<ds:datastoreItem xmlns:ds="http://schemas.openxmlformats.org/officeDocument/2006/customXml" ds:itemID="{69060146-7700-4F6C-986B-89E3839BD4ED}">
-  <ds:schemaRefs>
-    <ds:schemaRef ds:uri="http://schemas.microsoft.com/sharepoint/v3/contenttype/forms"/>
-  </ds:schemaRefs>
-</ds:datastoreItem>
-</file>
-
 <file path=docMetadata/LabelInfo.xml><?xml version="1.0" encoding="utf-8"?>
 <clbl:labelList xmlns:clbl="http://schemas.microsoft.com/office/2020/mipLabelMetadata"/>
 </file>
--- a/Gender Sensitivity Training/SOGIESC Workshop.pptx
+++ b/Gender Sensitivity Training/SOGIESC Workshop.pptx
@@ -5,7 +5,7 @@
     <p:sldMasterId id="2147483650" r:id="rId4"/>
   </p:sldMasterIdLst>
   <p:notesMasterIdLst>
-    <p:notesMasterId r:id="rId32"/>
+    <p:notesMasterId r:id="rId41"/>
   </p:notesMasterIdLst>
   <p:sldIdLst>
     <p:sldId id="278" r:id="rId5"/>
@@ -35,6 +35,15 @@
     <p:sldId id="320" r:id="rId29"/>
     <p:sldId id="292" r:id="rId30"/>
     <p:sldId id="293" r:id="rId31"/>
+    <p:sldId id="322" r:id="rId32"/>
+    <p:sldId id="323" r:id="rId33"/>
+    <p:sldId id="324" r:id="rId34"/>
+    <p:sldId id="325" r:id="rId35"/>
+    <p:sldId id="327" r:id="rId36"/>
+    <p:sldId id="328" r:id="rId37"/>
+    <p:sldId id="329" r:id="rId38"/>
+    <p:sldId id="326" r:id="rId39"/>
+    <p:sldId id="330" r:id="rId40"/>
   </p:sldIdLst>
   <p:sldSz cx="12192000" cy="6858000"/>
   <p:notesSz cx="13716000" cy="24384000"/>
@@ -2146,6 +2155,838 @@
 </p:notes>
 </file>
 
+<file path=ppt/notesSlides/notesSlide21.xml><?xml version="1.0" encoding="utf-8"?>
+<p:notes xmlns:a="http://schemas.openxmlformats.org/drawingml/2006/main" xmlns:r="http://schemas.openxmlformats.org/officeDocument/2006/relationships" xmlns:p="http://schemas.openxmlformats.org/presentationml/2006/main">
+  <p:cSld>
+    <p:spTree>
+      <p:nvGrpSpPr>
+        <p:cNvPr id="1" name="">
+          <a:extLst>
+            <a:ext uri="{FF2B5EF4-FFF2-40B4-BE49-F238E27FC236}">
+              <a16:creationId xmlns:a16="http://schemas.microsoft.com/office/drawing/2014/main" id="{6D0F4CC1-FACF-E5F5-2A97-D3C4FC86ABBF}"/>
+            </a:ext>
+          </a:extLst>
+        </p:cNvPr>
+        <p:cNvGrpSpPr/>
+        <p:nvPr/>
+      </p:nvGrpSpPr>
+      <p:grpSpPr>
+        <a:xfrm>
+          <a:off x="0" y="0"/>
+          <a:ext cx="0" cy="0"/>
+          <a:chOff x="0" y="0"/>
+          <a:chExt cx="0" cy="0"/>
+        </a:xfrm>
+      </p:grpSpPr>
+      <p:sp>
+        <p:nvSpPr>
+          <p:cNvPr id="2" name="Slide Image Placeholder 1">
+            <a:extLst>
+              <a:ext uri="{FF2B5EF4-FFF2-40B4-BE49-F238E27FC236}">
+                <a16:creationId xmlns:a16="http://schemas.microsoft.com/office/drawing/2014/main" id="{99F1F964-CC34-4DCF-EEDF-EDCE5325BADF}"/>
+              </a:ext>
+            </a:extLst>
+          </p:cNvPr>
+          <p:cNvSpPr>
+            <a:spLocks noGrp="1" noRot="1" noChangeAspect="1"/>
+          </p:cNvSpPr>
+          <p:nvPr>
+            <p:ph type="sldImg"/>
+          </p:nvPr>
+        </p:nvSpPr>
+        <p:spPr>
+          <a:xfrm>
+            <a:off x="-457200" y="3048000"/>
+            <a:ext cx="14630400" cy="8229600"/>
+          </a:xfrm>
+          <a:prstGeom prst="rect">
+            <a:avLst/>
+          </a:prstGeom>
+          <a:noFill/>
+          <a:ln w="12700">
+            <a:solidFill>
+              <a:prstClr val="black"/>
+            </a:solidFill>
+          </a:ln>
+        </p:spPr>
+      </p:sp>
+      <p:sp>
+        <p:nvSpPr>
+          <p:cNvPr id="3" name="Notes Placeholder 2">
+            <a:extLst>
+              <a:ext uri="{FF2B5EF4-FFF2-40B4-BE49-F238E27FC236}">
+                <a16:creationId xmlns:a16="http://schemas.microsoft.com/office/drawing/2014/main" id="{16E610EC-54AE-2631-3051-565849E46003}"/>
+              </a:ext>
+            </a:extLst>
+          </p:cNvPr>
+          <p:cNvSpPr>
+            <a:spLocks noGrp="1"/>
+          </p:cNvSpPr>
+          <p:nvPr>
+            <p:ph type="body" idx="1"/>
+          </p:nvPr>
+        </p:nvSpPr>
+        <p:spPr>
+          <a:xfrm>
+            <a:off x="1371600" y="11734800"/>
+            <a:ext cx="10972800" cy="9601200"/>
+          </a:xfrm>
+          <a:prstGeom prst="rect">
+            <a:avLst/>
+          </a:prstGeom>
+        </p:spPr>
+        <p:txBody>
+          <a:bodyPr/>
+          <a:lstStyle/>
+          <a:p>
+            <a:r>
+              <a:rPr lang="en-US" dirty="0"/>
+              <a:t>Everyone has SOGIESC</a:t>
+            </a:r>
+          </a:p>
+        </p:txBody>
+      </p:sp>
+    </p:spTree>
+    <p:extLst>
+      <p:ext uri="{BB962C8B-B14F-4D97-AF65-F5344CB8AC3E}">
+        <p14:creationId xmlns:p14="http://schemas.microsoft.com/office/powerpoint/2010/main" val="2764242019"/>
+      </p:ext>
+    </p:extLst>
+  </p:cSld>
+  <p:clrMapOvr>
+    <a:masterClrMapping/>
+  </p:clrMapOvr>
+</p:notes>
+</file>
+
+<file path=ppt/notesSlides/notesSlide22.xml><?xml version="1.0" encoding="utf-8"?>
+<p:notes xmlns:a="http://schemas.openxmlformats.org/drawingml/2006/main" xmlns:r="http://schemas.openxmlformats.org/officeDocument/2006/relationships" xmlns:p="http://schemas.openxmlformats.org/presentationml/2006/main">
+  <p:cSld>
+    <p:spTree>
+      <p:nvGrpSpPr>
+        <p:cNvPr id="1" name="">
+          <a:extLst>
+            <a:ext uri="{FF2B5EF4-FFF2-40B4-BE49-F238E27FC236}">
+              <a16:creationId xmlns:a16="http://schemas.microsoft.com/office/drawing/2014/main" id="{AB03FB55-4875-9D20-E7CE-ABFA490AFDE0}"/>
+            </a:ext>
+          </a:extLst>
+        </p:cNvPr>
+        <p:cNvGrpSpPr/>
+        <p:nvPr/>
+      </p:nvGrpSpPr>
+      <p:grpSpPr>
+        <a:xfrm>
+          <a:off x="0" y="0"/>
+          <a:ext cx="0" cy="0"/>
+          <a:chOff x="0" y="0"/>
+          <a:chExt cx="0" cy="0"/>
+        </a:xfrm>
+      </p:grpSpPr>
+      <p:sp>
+        <p:nvSpPr>
+          <p:cNvPr id="2" name="Slide Image Placeholder 1">
+            <a:extLst>
+              <a:ext uri="{FF2B5EF4-FFF2-40B4-BE49-F238E27FC236}">
+                <a16:creationId xmlns:a16="http://schemas.microsoft.com/office/drawing/2014/main" id="{9BCB1D3E-71DE-E849-8034-DA8EAD1957EA}"/>
+              </a:ext>
+            </a:extLst>
+          </p:cNvPr>
+          <p:cNvSpPr>
+            <a:spLocks noGrp="1" noRot="1" noChangeAspect="1"/>
+          </p:cNvSpPr>
+          <p:nvPr>
+            <p:ph type="sldImg"/>
+          </p:nvPr>
+        </p:nvSpPr>
+        <p:spPr>
+          <a:xfrm>
+            <a:off x="-457200" y="3048000"/>
+            <a:ext cx="14630400" cy="8229600"/>
+          </a:xfrm>
+          <a:prstGeom prst="rect">
+            <a:avLst/>
+          </a:prstGeom>
+          <a:noFill/>
+          <a:ln w="12700">
+            <a:solidFill>
+              <a:prstClr val="black"/>
+            </a:solidFill>
+          </a:ln>
+        </p:spPr>
+      </p:sp>
+      <p:sp>
+        <p:nvSpPr>
+          <p:cNvPr id="3" name="Notes Placeholder 2">
+            <a:extLst>
+              <a:ext uri="{FF2B5EF4-FFF2-40B4-BE49-F238E27FC236}">
+                <a16:creationId xmlns:a16="http://schemas.microsoft.com/office/drawing/2014/main" id="{5EF601DC-BFC1-1359-458C-0BA484C0418E}"/>
+              </a:ext>
+            </a:extLst>
+          </p:cNvPr>
+          <p:cNvSpPr>
+            <a:spLocks noGrp="1"/>
+          </p:cNvSpPr>
+          <p:nvPr>
+            <p:ph type="body" idx="1"/>
+          </p:nvPr>
+        </p:nvSpPr>
+        <p:spPr>
+          <a:xfrm>
+            <a:off x="1371600" y="11734800"/>
+            <a:ext cx="10972800" cy="9601200"/>
+          </a:xfrm>
+          <a:prstGeom prst="rect">
+            <a:avLst/>
+          </a:prstGeom>
+        </p:spPr>
+        <p:txBody>
+          <a:bodyPr/>
+          <a:lstStyle/>
+          <a:p>
+            <a:r>
+              <a:rPr lang="en-US" dirty="0"/>
+              <a:t>Everyone has SOGIESC</a:t>
+            </a:r>
+          </a:p>
+        </p:txBody>
+      </p:sp>
+    </p:spTree>
+    <p:extLst>
+      <p:ext uri="{BB962C8B-B14F-4D97-AF65-F5344CB8AC3E}">
+        <p14:creationId xmlns:p14="http://schemas.microsoft.com/office/powerpoint/2010/main" val="3397067741"/>
+      </p:ext>
+    </p:extLst>
+  </p:cSld>
+  <p:clrMapOvr>
+    <a:masterClrMapping/>
+  </p:clrMapOvr>
+</p:notes>
+</file>
+
+<file path=ppt/notesSlides/notesSlide23.xml><?xml version="1.0" encoding="utf-8"?>
+<p:notes xmlns:a="http://schemas.openxmlformats.org/drawingml/2006/main" xmlns:r="http://schemas.openxmlformats.org/officeDocument/2006/relationships" xmlns:p="http://schemas.openxmlformats.org/presentationml/2006/main">
+  <p:cSld>
+    <p:spTree>
+      <p:nvGrpSpPr>
+        <p:cNvPr id="1" name="">
+          <a:extLst>
+            <a:ext uri="{FF2B5EF4-FFF2-40B4-BE49-F238E27FC236}">
+              <a16:creationId xmlns:a16="http://schemas.microsoft.com/office/drawing/2014/main" id="{6F525019-E147-FA3F-CD61-E949465B26B0}"/>
+            </a:ext>
+          </a:extLst>
+        </p:cNvPr>
+        <p:cNvGrpSpPr/>
+        <p:nvPr/>
+      </p:nvGrpSpPr>
+      <p:grpSpPr>
+        <a:xfrm>
+          <a:off x="0" y="0"/>
+          <a:ext cx="0" cy="0"/>
+          <a:chOff x="0" y="0"/>
+          <a:chExt cx="0" cy="0"/>
+        </a:xfrm>
+      </p:grpSpPr>
+      <p:sp>
+        <p:nvSpPr>
+          <p:cNvPr id="2" name="Slide Image Placeholder 1">
+            <a:extLst>
+              <a:ext uri="{FF2B5EF4-FFF2-40B4-BE49-F238E27FC236}">
+                <a16:creationId xmlns:a16="http://schemas.microsoft.com/office/drawing/2014/main" id="{902681F1-5CC9-7448-3922-6D2344266FA1}"/>
+              </a:ext>
+            </a:extLst>
+          </p:cNvPr>
+          <p:cNvSpPr>
+            <a:spLocks noGrp="1" noRot="1" noChangeAspect="1"/>
+          </p:cNvSpPr>
+          <p:nvPr>
+            <p:ph type="sldImg"/>
+          </p:nvPr>
+        </p:nvSpPr>
+        <p:spPr>
+          <a:xfrm>
+            <a:off x="-457200" y="3048000"/>
+            <a:ext cx="14630400" cy="8229600"/>
+          </a:xfrm>
+          <a:prstGeom prst="rect">
+            <a:avLst/>
+          </a:prstGeom>
+          <a:noFill/>
+          <a:ln w="12700">
+            <a:solidFill>
+              <a:prstClr val="black"/>
+            </a:solidFill>
+          </a:ln>
+        </p:spPr>
+      </p:sp>
+      <p:sp>
+        <p:nvSpPr>
+          <p:cNvPr id="3" name="Notes Placeholder 2">
+            <a:extLst>
+              <a:ext uri="{FF2B5EF4-FFF2-40B4-BE49-F238E27FC236}">
+                <a16:creationId xmlns:a16="http://schemas.microsoft.com/office/drawing/2014/main" id="{1E003D1B-B05E-F9CF-2FFE-16DF0D355022}"/>
+              </a:ext>
+            </a:extLst>
+          </p:cNvPr>
+          <p:cNvSpPr>
+            <a:spLocks noGrp="1"/>
+          </p:cNvSpPr>
+          <p:nvPr>
+            <p:ph type="body" idx="1"/>
+          </p:nvPr>
+        </p:nvSpPr>
+        <p:spPr>
+          <a:xfrm>
+            <a:off x="1371600" y="11734800"/>
+            <a:ext cx="10972800" cy="9601200"/>
+          </a:xfrm>
+          <a:prstGeom prst="rect">
+            <a:avLst/>
+          </a:prstGeom>
+        </p:spPr>
+        <p:txBody>
+          <a:bodyPr/>
+          <a:lstStyle/>
+          <a:p>
+            <a:r>
+              <a:rPr lang="en-US" dirty="0"/>
+              <a:t>Everyone has SOGIESC</a:t>
+            </a:r>
+          </a:p>
+        </p:txBody>
+      </p:sp>
+    </p:spTree>
+    <p:extLst>
+      <p:ext uri="{BB962C8B-B14F-4D97-AF65-F5344CB8AC3E}">
+        <p14:creationId xmlns:p14="http://schemas.microsoft.com/office/powerpoint/2010/main" val="900613861"/>
+      </p:ext>
+    </p:extLst>
+  </p:cSld>
+  <p:clrMapOvr>
+    <a:masterClrMapping/>
+  </p:clrMapOvr>
+</p:notes>
+</file>
+
+<file path=ppt/notesSlides/notesSlide24.xml><?xml version="1.0" encoding="utf-8"?>
+<p:notes xmlns:a="http://schemas.openxmlformats.org/drawingml/2006/main" xmlns:r="http://schemas.openxmlformats.org/officeDocument/2006/relationships" xmlns:p="http://schemas.openxmlformats.org/presentationml/2006/main">
+  <p:cSld>
+    <p:spTree>
+      <p:nvGrpSpPr>
+        <p:cNvPr id="1" name="">
+          <a:extLst>
+            <a:ext uri="{FF2B5EF4-FFF2-40B4-BE49-F238E27FC236}">
+              <a16:creationId xmlns:a16="http://schemas.microsoft.com/office/drawing/2014/main" id="{5B1508AB-5501-A3B7-3C7C-CB50356914BE}"/>
+            </a:ext>
+          </a:extLst>
+        </p:cNvPr>
+        <p:cNvGrpSpPr/>
+        <p:nvPr/>
+      </p:nvGrpSpPr>
+      <p:grpSpPr>
+        <a:xfrm>
+          <a:off x="0" y="0"/>
+          <a:ext cx="0" cy="0"/>
+          <a:chOff x="0" y="0"/>
+          <a:chExt cx="0" cy="0"/>
+        </a:xfrm>
+      </p:grpSpPr>
+      <p:sp>
+        <p:nvSpPr>
+          <p:cNvPr id="2" name="Slide Image Placeholder 1">
+            <a:extLst>
+              <a:ext uri="{FF2B5EF4-FFF2-40B4-BE49-F238E27FC236}">
+                <a16:creationId xmlns:a16="http://schemas.microsoft.com/office/drawing/2014/main" id="{CF70C9F9-7109-969B-54D6-A1C8EEC08F2D}"/>
+              </a:ext>
+            </a:extLst>
+          </p:cNvPr>
+          <p:cNvSpPr>
+            <a:spLocks noGrp="1" noRot="1" noChangeAspect="1"/>
+          </p:cNvSpPr>
+          <p:nvPr>
+            <p:ph type="sldImg"/>
+          </p:nvPr>
+        </p:nvSpPr>
+        <p:spPr>
+          <a:xfrm>
+            <a:off x="-457200" y="3048000"/>
+            <a:ext cx="14630400" cy="8229600"/>
+          </a:xfrm>
+          <a:prstGeom prst="rect">
+            <a:avLst/>
+          </a:prstGeom>
+          <a:noFill/>
+          <a:ln w="12700">
+            <a:solidFill>
+              <a:prstClr val="black"/>
+            </a:solidFill>
+          </a:ln>
+        </p:spPr>
+      </p:sp>
+      <p:sp>
+        <p:nvSpPr>
+          <p:cNvPr id="3" name="Notes Placeholder 2">
+            <a:extLst>
+              <a:ext uri="{FF2B5EF4-FFF2-40B4-BE49-F238E27FC236}">
+                <a16:creationId xmlns:a16="http://schemas.microsoft.com/office/drawing/2014/main" id="{46D2FEF2-4FD2-CCFD-0F02-66DBA55616C2}"/>
+              </a:ext>
+            </a:extLst>
+          </p:cNvPr>
+          <p:cNvSpPr>
+            <a:spLocks noGrp="1"/>
+          </p:cNvSpPr>
+          <p:nvPr>
+            <p:ph type="body" idx="1"/>
+          </p:nvPr>
+        </p:nvSpPr>
+        <p:spPr>
+          <a:xfrm>
+            <a:off x="1371600" y="11734800"/>
+            <a:ext cx="10972800" cy="9601200"/>
+          </a:xfrm>
+          <a:prstGeom prst="rect">
+            <a:avLst/>
+          </a:prstGeom>
+        </p:spPr>
+        <p:txBody>
+          <a:bodyPr/>
+          <a:lstStyle/>
+          <a:p>
+            <a:r>
+              <a:rPr lang="en-US" dirty="0"/>
+              <a:t>Everyone has SOGIESC</a:t>
+            </a:r>
+          </a:p>
+        </p:txBody>
+      </p:sp>
+    </p:spTree>
+    <p:extLst>
+      <p:ext uri="{BB962C8B-B14F-4D97-AF65-F5344CB8AC3E}">
+        <p14:creationId xmlns:p14="http://schemas.microsoft.com/office/powerpoint/2010/main" val="1760051824"/>
+      </p:ext>
+    </p:extLst>
+  </p:cSld>
+  <p:clrMapOvr>
+    <a:masterClrMapping/>
+  </p:clrMapOvr>
+</p:notes>
+</file>
+
+<file path=ppt/notesSlides/notesSlide25.xml><?xml version="1.0" encoding="utf-8"?>
+<p:notes xmlns:a="http://schemas.openxmlformats.org/drawingml/2006/main" xmlns:r="http://schemas.openxmlformats.org/officeDocument/2006/relationships" xmlns:p="http://schemas.openxmlformats.org/presentationml/2006/main">
+  <p:cSld>
+    <p:spTree>
+      <p:nvGrpSpPr>
+        <p:cNvPr id="1" name="">
+          <a:extLst>
+            <a:ext uri="{FF2B5EF4-FFF2-40B4-BE49-F238E27FC236}">
+              <a16:creationId xmlns:a16="http://schemas.microsoft.com/office/drawing/2014/main" id="{CD89B77F-7485-8D88-36D1-137766BCCA9F}"/>
+            </a:ext>
+          </a:extLst>
+        </p:cNvPr>
+        <p:cNvGrpSpPr/>
+        <p:nvPr/>
+      </p:nvGrpSpPr>
+      <p:grpSpPr>
+        <a:xfrm>
+          <a:off x="0" y="0"/>
+          <a:ext cx="0" cy="0"/>
+          <a:chOff x="0" y="0"/>
+          <a:chExt cx="0" cy="0"/>
+        </a:xfrm>
+      </p:grpSpPr>
+      <p:sp>
+        <p:nvSpPr>
+          <p:cNvPr id="2" name="Slide Image Placeholder 1">
+            <a:extLst>
+              <a:ext uri="{FF2B5EF4-FFF2-40B4-BE49-F238E27FC236}">
+                <a16:creationId xmlns:a16="http://schemas.microsoft.com/office/drawing/2014/main" id="{8A05D952-96AC-8E38-D52F-C71719E15640}"/>
+              </a:ext>
+            </a:extLst>
+          </p:cNvPr>
+          <p:cNvSpPr>
+            <a:spLocks noGrp="1" noRot="1" noChangeAspect="1"/>
+          </p:cNvSpPr>
+          <p:nvPr>
+            <p:ph type="sldImg"/>
+          </p:nvPr>
+        </p:nvSpPr>
+        <p:spPr>
+          <a:xfrm>
+            <a:off x="-457200" y="3048000"/>
+            <a:ext cx="14630400" cy="8229600"/>
+          </a:xfrm>
+          <a:prstGeom prst="rect">
+            <a:avLst/>
+          </a:prstGeom>
+          <a:noFill/>
+          <a:ln w="12700">
+            <a:solidFill>
+              <a:prstClr val="black"/>
+            </a:solidFill>
+          </a:ln>
+        </p:spPr>
+      </p:sp>
+      <p:sp>
+        <p:nvSpPr>
+          <p:cNvPr id="3" name="Notes Placeholder 2">
+            <a:extLst>
+              <a:ext uri="{FF2B5EF4-FFF2-40B4-BE49-F238E27FC236}">
+                <a16:creationId xmlns:a16="http://schemas.microsoft.com/office/drawing/2014/main" id="{83593532-36D6-B08A-1E71-FD7269FAC09D}"/>
+              </a:ext>
+            </a:extLst>
+          </p:cNvPr>
+          <p:cNvSpPr>
+            <a:spLocks noGrp="1"/>
+          </p:cNvSpPr>
+          <p:nvPr>
+            <p:ph type="body" idx="1"/>
+          </p:nvPr>
+        </p:nvSpPr>
+        <p:spPr>
+          <a:xfrm>
+            <a:off x="1371600" y="11734800"/>
+            <a:ext cx="10972800" cy="9601200"/>
+          </a:xfrm>
+          <a:prstGeom prst="rect">
+            <a:avLst/>
+          </a:prstGeom>
+        </p:spPr>
+        <p:txBody>
+          <a:bodyPr/>
+          <a:lstStyle/>
+          <a:p>
+            <a:r>
+              <a:rPr lang="en-US" dirty="0"/>
+              <a:t>Everyone has SOGIESC</a:t>
+            </a:r>
+          </a:p>
+        </p:txBody>
+      </p:sp>
+    </p:spTree>
+    <p:extLst>
+      <p:ext uri="{BB962C8B-B14F-4D97-AF65-F5344CB8AC3E}">
+        <p14:creationId xmlns:p14="http://schemas.microsoft.com/office/powerpoint/2010/main" val="2893257088"/>
+      </p:ext>
+    </p:extLst>
+  </p:cSld>
+  <p:clrMapOvr>
+    <a:masterClrMapping/>
+  </p:clrMapOvr>
+</p:notes>
+</file>
+
+<file path=ppt/notesSlides/notesSlide26.xml><?xml version="1.0" encoding="utf-8"?>
+<p:notes xmlns:a="http://schemas.openxmlformats.org/drawingml/2006/main" xmlns:r="http://schemas.openxmlformats.org/officeDocument/2006/relationships" xmlns:p="http://schemas.openxmlformats.org/presentationml/2006/main">
+  <p:cSld>
+    <p:spTree>
+      <p:nvGrpSpPr>
+        <p:cNvPr id="1" name="">
+          <a:extLst>
+            <a:ext uri="{FF2B5EF4-FFF2-40B4-BE49-F238E27FC236}">
+              <a16:creationId xmlns:a16="http://schemas.microsoft.com/office/drawing/2014/main" id="{F6538641-4B82-A166-4D50-DB6A78FB9074}"/>
+            </a:ext>
+          </a:extLst>
+        </p:cNvPr>
+        <p:cNvGrpSpPr/>
+        <p:nvPr/>
+      </p:nvGrpSpPr>
+      <p:grpSpPr>
+        <a:xfrm>
+          <a:off x="0" y="0"/>
+          <a:ext cx="0" cy="0"/>
+          <a:chOff x="0" y="0"/>
+          <a:chExt cx="0" cy="0"/>
+        </a:xfrm>
+      </p:grpSpPr>
+      <p:sp>
+        <p:nvSpPr>
+          <p:cNvPr id="2" name="Slide Image Placeholder 1">
+            <a:extLst>
+              <a:ext uri="{FF2B5EF4-FFF2-40B4-BE49-F238E27FC236}">
+                <a16:creationId xmlns:a16="http://schemas.microsoft.com/office/drawing/2014/main" id="{41CA8102-FAAA-C638-5352-BDA4AB822D82}"/>
+              </a:ext>
+            </a:extLst>
+          </p:cNvPr>
+          <p:cNvSpPr>
+            <a:spLocks noGrp="1" noRot="1" noChangeAspect="1"/>
+          </p:cNvSpPr>
+          <p:nvPr>
+            <p:ph type="sldImg"/>
+          </p:nvPr>
+        </p:nvSpPr>
+        <p:spPr>
+          <a:xfrm>
+            <a:off x="-457200" y="3048000"/>
+            <a:ext cx="14630400" cy="8229600"/>
+          </a:xfrm>
+          <a:prstGeom prst="rect">
+            <a:avLst/>
+          </a:prstGeom>
+          <a:noFill/>
+          <a:ln w="12700">
+            <a:solidFill>
+              <a:prstClr val="black"/>
+            </a:solidFill>
+          </a:ln>
+        </p:spPr>
+      </p:sp>
+      <p:sp>
+        <p:nvSpPr>
+          <p:cNvPr id="3" name="Notes Placeholder 2">
+            <a:extLst>
+              <a:ext uri="{FF2B5EF4-FFF2-40B4-BE49-F238E27FC236}">
+                <a16:creationId xmlns:a16="http://schemas.microsoft.com/office/drawing/2014/main" id="{D4912C0C-3735-5593-DD25-1AA1C2E91510}"/>
+              </a:ext>
+            </a:extLst>
+          </p:cNvPr>
+          <p:cNvSpPr>
+            <a:spLocks noGrp="1"/>
+          </p:cNvSpPr>
+          <p:nvPr>
+            <p:ph type="body" idx="1"/>
+          </p:nvPr>
+        </p:nvSpPr>
+        <p:spPr>
+          <a:xfrm>
+            <a:off x="1371600" y="11734800"/>
+            <a:ext cx="10972800" cy="9601200"/>
+          </a:xfrm>
+          <a:prstGeom prst="rect">
+            <a:avLst/>
+          </a:prstGeom>
+        </p:spPr>
+        <p:txBody>
+          <a:bodyPr/>
+          <a:lstStyle/>
+          <a:p>
+            <a:r>
+              <a:rPr lang="en-US" dirty="0"/>
+              <a:t>Everyone has SOGIESC</a:t>
+            </a:r>
+          </a:p>
+        </p:txBody>
+      </p:sp>
+    </p:spTree>
+    <p:extLst>
+      <p:ext uri="{BB962C8B-B14F-4D97-AF65-F5344CB8AC3E}">
+        <p14:creationId xmlns:p14="http://schemas.microsoft.com/office/powerpoint/2010/main" val="3270247169"/>
+      </p:ext>
+    </p:extLst>
+  </p:cSld>
+  <p:clrMapOvr>
+    <a:masterClrMapping/>
+  </p:clrMapOvr>
+</p:notes>
+</file>
+
+<file path=ppt/notesSlides/notesSlide27.xml><?xml version="1.0" encoding="utf-8"?>
+<p:notes xmlns:a="http://schemas.openxmlformats.org/drawingml/2006/main" xmlns:r="http://schemas.openxmlformats.org/officeDocument/2006/relationships" xmlns:p="http://schemas.openxmlformats.org/presentationml/2006/main">
+  <p:cSld>
+    <p:spTree>
+      <p:nvGrpSpPr>
+        <p:cNvPr id="1" name="">
+          <a:extLst>
+            <a:ext uri="{FF2B5EF4-FFF2-40B4-BE49-F238E27FC236}">
+              <a16:creationId xmlns:a16="http://schemas.microsoft.com/office/drawing/2014/main" id="{191EA75F-696A-4794-C130-5AD498B27B4D}"/>
+            </a:ext>
+          </a:extLst>
+        </p:cNvPr>
+        <p:cNvGrpSpPr/>
+        <p:nvPr/>
+      </p:nvGrpSpPr>
+      <p:grpSpPr>
+        <a:xfrm>
+          <a:off x="0" y="0"/>
+          <a:ext cx="0" cy="0"/>
+          <a:chOff x="0" y="0"/>
+          <a:chExt cx="0" cy="0"/>
+        </a:xfrm>
+      </p:grpSpPr>
+      <p:sp>
+        <p:nvSpPr>
+          <p:cNvPr id="2" name="Slide Image Placeholder 1">
+            <a:extLst>
+              <a:ext uri="{FF2B5EF4-FFF2-40B4-BE49-F238E27FC236}">
+                <a16:creationId xmlns:a16="http://schemas.microsoft.com/office/drawing/2014/main" id="{083AA2E9-42F0-D489-4B51-8D6F8E91EE38}"/>
+              </a:ext>
+            </a:extLst>
+          </p:cNvPr>
+          <p:cNvSpPr>
+            <a:spLocks noGrp="1" noRot="1" noChangeAspect="1"/>
+          </p:cNvSpPr>
+          <p:nvPr>
+            <p:ph type="sldImg"/>
+          </p:nvPr>
+        </p:nvSpPr>
+        <p:spPr>
+          <a:xfrm>
+            <a:off x="-457200" y="3048000"/>
+            <a:ext cx="14630400" cy="8229600"/>
+          </a:xfrm>
+          <a:prstGeom prst="rect">
+            <a:avLst/>
+          </a:prstGeom>
+          <a:noFill/>
+          <a:ln w="12700">
+            <a:solidFill>
+              <a:prstClr val="black"/>
+            </a:solidFill>
+          </a:ln>
+        </p:spPr>
+      </p:sp>
+      <p:sp>
+        <p:nvSpPr>
+          <p:cNvPr id="3" name="Notes Placeholder 2">
+            <a:extLst>
+              <a:ext uri="{FF2B5EF4-FFF2-40B4-BE49-F238E27FC236}">
+                <a16:creationId xmlns:a16="http://schemas.microsoft.com/office/drawing/2014/main" id="{108FCF0A-DA04-1D35-BBD6-B7338869E71B}"/>
+              </a:ext>
+            </a:extLst>
+          </p:cNvPr>
+          <p:cNvSpPr>
+            <a:spLocks noGrp="1"/>
+          </p:cNvSpPr>
+          <p:nvPr>
+            <p:ph type="body" idx="1"/>
+          </p:nvPr>
+        </p:nvSpPr>
+        <p:spPr>
+          <a:xfrm>
+            <a:off x="1371600" y="11734800"/>
+            <a:ext cx="10972800" cy="9601200"/>
+          </a:xfrm>
+          <a:prstGeom prst="rect">
+            <a:avLst/>
+          </a:prstGeom>
+        </p:spPr>
+        <p:txBody>
+          <a:bodyPr/>
+          <a:lstStyle/>
+          <a:p>
+            <a:r>
+              <a:rPr lang="en-US" dirty="0"/>
+              <a:t>Everyone has SOGIESC</a:t>
+            </a:r>
+          </a:p>
+        </p:txBody>
+      </p:sp>
+    </p:spTree>
+    <p:extLst>
+      <p:ext uri="{BB962C8B-B14F-4D97-AF65-F5344CB8AC3E}">
+        <p14:creationId xmlns:p14="http://schemas.microsoft.com/office/powerpoint/2010/main" val="548836798"/>
+      </p:ext>
+    </p:extLst>
+  </p:cSld>
+  <p:clrMapOvr>
+    <a:masterClrMapping/>
+  </p:clrMapOvr>
+</p:notes>
+</file>
+
+<file path=ppt/notesSlides/notesSlide28.xml><?xml version="1.0" encoding="utf-8"?>
+<p:notes xmlns:a="http://schemas.openxmlformats.org/drawingml/2006/main" xmlns:r="http://schemas.openxmlformats.org/officeDocument/2006/relationships" xmlns:p="http://schemas.openxmlformats.org/presentationml/2006/main">
+  <p:cSld>
+    <p:spTree>
+      <p:nvGrpSpPr>
+        <p:cNvPr id="1" name="">
+          <a:extLst>
+            <a:ext uri="{FF2B5EF4-FFF2-40B4-BE49-F238E27FC236}">
+              <a16:creationId xmlns:a16="http://schemas.microsoft.com/office/drawing/2014/main" id="{FF17D3F1-B17E-53ED-6B7B-D1D35FF6F37C}"/>
+            </a:ext>
+          </a:extLst>
+        </p:cNvPr>
+        <p:cNvGrpSpPr/>
+        <p:nvPr/>
+      </p:nvGrpSpPr>
+      <p:grpSpPr>
+        <a:xfrm>
+          <a:off x="0" y="0"/>
+          <a:ext cx="0" cy="0"/>
+          <a:chOff x="0" y="0"/>
+          <a:chExt cx="0" cy="0"/>
+        </a:xfrm>
+      </p:grpSpPr>
+      <p:sp>
+        <p:nvSpPr>
+          <p:cNvPr id="2" name="Slide Image Placeholder 1">
+            <a:extLst>
+              <a:ext uri="{FF2B5EF4-FFF2-40B4-BE49-F238E27FC236}">
+                <a16:creationId xmlns:a16="http://schemas.microsoft.com/office/drawing/2014/main" id="{41474484-E194-4DE4-08AF-A69A2F6B166E}"/>
+              </a:ext>
+            </a:extLst>
+          </p:cNvPr>
+          <p:cNvSpPr>
+            <a:spLocks noGrp="1" noRot="1" noChangeAspect="1"/>
+          </p:cNvSpPr>
+          <p:nvPr>
+            <p:ph type="sldImg"/>
+          </p:nvPr>
+        </p:nvSpPr>
+        <p:spPr>
+          <a:xfrm>
+            <a:off x="-457200" y="3048000"/>
+            <a:ext cx="14630400" cy="8229600"/>
+          </a:xfrm>
+          <a:prstGeom prst="rect">
+            <a:avLst/>
+          </a:prstGeom>
+          <a:noFill/>
+          <a:ln w="12700">
+            <a:solidFill>
+              <a:prstClr val="black"/>
+            </a:solidFill>
+          </a:ln>
+        </p:spPr>
+      </p:sp>
+      <p:sp>
+        <p:nvSpPr>
+          <p:cNvPr id="3" name="Notes Placeholder 2">
+            <a:extLst>
+              <a:ext uri="{FF2B5EF4-FFF2-40B4-BE49-F238E27FC236}">
+                <a16:creationId xmlns:a16="http://schemas.microsoft.com/office/drawing/2014/main" id="{6EC1220E-29C3-32D7-796E-5FDDD05929D0}"/>
+              </a:ext>
+            </a:extLst>
+          </p:cNvPr>
+          <p:cNvSpPr>
+            <a:spLocks noGrp="1"/>
+          </p:cNvSpPr>
+          <p:nvPr>
+            <p:ph type="body" idx="1"/>
+          </p:nvPr>
+        </p:nvSpPr>
+        <p:spPr>
+          <a:xfrm>
+            <a:off x="1371600" y="11734800"/>
+            <a:ext cx="10972800" cy="9601200"/>
+          </a:xfrm>
+          <a:prstGeom prst="rect">
+            <a:avLst/>
+          </a:prstGeom>
+        </p:spPr>
+        <p:txBody>
+          <a:bodyPr/>
+          <a:lstStyle/>
+          <a:p>
+            <a:r>
+              <a:rPr lang="en-US" dirty="0"/>
+              <a:t>Everyone has SOGIESC</a:t>
+            </a:r>
+          </a:p>
+        </p:txBody>
+      </p:sp>
+    </p:spTree>
+    <p:extLst>
+      <p:ext uri="{BB962C8B-B14F-4D97-AF65-F5344CB8AC3E}">
+        <p14:creationId xmlns:p14="http://schemas.microsoft.com/office/powerpoint/2010/main" val="1039742244"/>
+      </p:ext>
+    </p:extLst>
+  </p:cSld>
+  <p:clrMapOvr>
+    <a:masterClrMapping/>
+  </p:clrMapOvr>
+</p:notes>
+</file>
+
 <file path=ppt/notesSlides/notesSlide3.xml><?xml version="1.0" encoding="utf-8"?>
 <p:notes xmlns:a="http://schemas.openxmlformats.org/drawingml/2006/main" xmlns:r="http://schemas.openxmlformats.org/officeDocument/2006/relationships" xmlns:p="http://schemas.openxmlformats.org/presentationml/2006/main">
   <p:cSld>
@@ -3320,13 +4161,13 @@
   <p:clrMapOvr>
     <a:masterClrMapping/>
   </p:clrMapOvr>
-  <mc:AlternateContent xmlns:mc="http://schemas.openxmlformats.org/markup-compatibility/2006">
-    <mc:Choice xmlns:p159="http://schemas.microsoft.com/office/powerpoint/2015/09/main" Requires="p159">
+  <mc:AlternateContent xmlns:mc="http://schemas.openxmlformats.org/markup-compatibility/2006" xmlns:p159="http://schemas.microsoft.com/office/powerpoint/2015/09/main">
+    <mc:Choice Requires="p159">
       <p:transition spd="slow">
         <p159:morph option="byObject"/>
       </p:transition>
     </mc:Choice>
-    <mc:Fallback>
+    <mc:Fallback xmlns="">
       <p:transition spd="slow">
         <p:fade/>
       </p:transition>
@@ -4651,13 +5492,13 @@
   <p:clrMapOvr>
     <a:masterClrMapping/>
   </p:clrMapOvr>
-  <mc:AlternateContent xmlns:mc="http://schemas.openxmlformats.org/markup-compatibility/2006">
-    <mc:Choice xmlns:p159="http://schemas.microsoft.com/office/powerpoint/2015/09/main" Requires="p159">
+  <mc:AlternateContent xmlns:mc="http://schemas.openxmlformats.org/markup-compatibility/2006" xmlns:p159="http://schemas.microsoft.com/office/powerpoint/2015/09/main">
+    <mc:Choice Requires="p159">
       <p:transition spd="slow">
         <p159:morph option="byObject"/>
       </p:transition>
     </mc:Choice>
-    <mc:Fallback>
+    <mc:Fallback xmlns="">
       <p:transition spd="slow">
         <p:fade/>
       </p:transition>
@@ -5901,13 +6742,13 @@
   <p:clrMapOvr>
     <a:masterClrMapping/>
   </p:clrMapOvr>
-  <mc:AlternateContent xmlns:mc="http://schemas.openxmlformats.org/markup-compatibility/2006">
-    <mc:Choice xmlns:p159="http://schemas.microsoft.com/office/powerpoint/2015/09/main" Requires="p159">
+  <mc:AlternateContent xmlns:mc="http://schemas.openxmlformats.org/markup-compatibility/2006" xmlns:p159="http://schemas.microsoft.com/office/powerpoint/2015/09/main">
+    <mc:Choice Requires="p159">
       <p:transition spd="slow">
         <p159:morph option="byObject"/>
       </p:transition>
     </mc:Choice>
-    <mc:Fallback>
+    <mc:Fallback xmlns="">
       <p:transition spd="slow">
         <p:fade/>
       </p:transition>
@@ -7425,13 +8266,13 @@
   <p:clrMapOvr>
     <a:masterClrMapping/>
   </p:clrMapOvr>
-  <mc:AlternateContent xmlns:mc="http://schemas.openxmlformats.org/markup-compatibility/2006">
-    <mc:Choice xmlns:p159="http://schemas.microsoft.com/office/powerpoint/2015/09/main" Requires="p159">
+  <mc:AlternateContent xmlns:mc="http://schemas.openxmlformats.org/markup-compatibility/2006" xmlns:p159="http://schemas.microsoft.com/office/powerpoint/2015/09/main">
+    <mc:Choice Requires="p159">
       <p:transition spd="slow">
         <p159:morph option="byObject"/>
       </p:transition>
     </mc:Choice>
-    <mc:Fallback>
+    <mc:Fallback xmlns="">
       <p:transition spd="slow">
         <p:fade/>
       </p:transition>
@@ -8121,13 +8962,13 @@
   <p:clrMapOvr>
     <a:masterClrMapping/>
   </p:clrMapOvr>
-  <mc:AlternateContent xmlns:mc="http://schemas.openxmlformats.org/markup-compatibility/2006">
-    <mc:Choice xmlns:p159="http://schemas.microsoft.com/office/powerpoint/2015/09/main" Requires="p159">
+  <mc:AlternateContent xmlns:mc="http://schemas.openxmlformats.org/markup-compatibility/2006" xmlns:p159="http://schemas.microsoft.com/office/powerpoint/2015/09/main">
+    <mc:Choice Requires="p159">
       <p:transition spd="slow">
         <p159:morph option="byObject"/>
       </p:transition>
     </mc:Choice>
-    <mc:Fallback>
+    <mc:Fallback xmlns="">
       <p:transition spd="slow">
         <p:fade/>
       </p:transition>
@@ -8788,13 +9629,13 @@
   <p:clrMapOvr>
     <a:masterClrMapping/>
   </p:clrMapOvr>
-  <mc:AlternateContent xmlns:mc="http://schemas.openxmlformats.org/markup-compatibility/2006">
-    <mc:Choice xmlns:p159="http://schemas.microsoft.com/office/powerpoint/2015/09/main" Requires="p159">
+  <mc:AlternateContent xmlns:mc="http://schemas.openxmlformats.org/markup-compatibility/2006" xmlns:p159="http://schemas.microsoft.com/office/powerpoint/2015/09/main">
+    <mc:Choice Requires="p159">
       <p:transition spd="slow">
         <p159:morph option="byObject"/>
       </p:transition>
     </mc:Choice>
-    <mc:Fallback>
+    <mc:Fallback xmlns="">
       <p:transition spd="slow">
         <p:fade/>
       </p:transition>
@@ -9198,13 +10039,13 @@
   <p:clrMapOvr>
     <a:masterClrMapping/>
   </p:clrMapOvr>
-  <mc:AlternateContent xmlns:mc="http://schemas.openxmlformats.org/markup-compatibility/2006">
-    <mc:Choice xmlns:p159="http://schemas.microsoft.com/office/powerpoint/2015/09/main" Requires="p159">
+  <mc:AlternateContent xmlns:mc="http://schemas.openxmlformats.org/markup-compatibility/2006" xmlns:p159="http://schemas.microsoft.com/office/powerpoint/2015/09/main">
+    <mc:Choice Requires="p159">
       <p:transition spd="slow">
         <p159:morph option="byObject"/>
       </p:transition>
     </mc:Choice>
-    <mc:Fallback>
+    <mc:Fallback xmlns="">
       <p:transition spd="slow">
         <p:fade/>
       </p:transition>
@@ -10605,13 +11446,13 @@
   <p:clrMapOvr>
     <a:masterClrMapping/>
   </p:clrMapOvr>
-  <mc:AlternateContent xmlns:mc="http://schemas.openxmlformats.org/markup-compatibility/2006">
-    <mc:Choice xmlns:p159="http://schemas.microsoft.com/office/powerpoint/2015/09/main" Requires="p159">
+  <mc:AlternateContent xmlns:mc="http://schemas.openxmlformats.org/markup-compatibility/2006" xmlns:p159="http://schemas.microsoft.com/office/powerpoint/2015/09/main">
+    <mc:Choice Requires="p159">
       <p:transition spd="slow">
         <p159:morph option="byObject"/>
       </p:transition>
     </mc:Choice>
-    <mc:Fallback>
+    <mc:Fallback xmlns="">
       <p:transition spd="slow">
         <p:fade/>
       </p:transition>
@@ -12634,13 +13475,13 @@
   <p:clrMapOvr>
     <a:masterClrMapping/>
   </p:clrMapOvr>
-  <mc:AlternateContent xmlns:mc="http://schemas.openxmlformats.org/markup-compatibility/2006">
-    <mc:Choice xmlns:p159="http://schemas.microsoft.com/office/powerpoint/2015/09/main" Requires="p159">
+  <mc:AlternateContent xmlns:mc="http://schemas.openxmlformats.org/markup-compatibility/2006" xmlns:p159="http://schemas.microsoft.com/office/powerpoint/2015/09/main">
+    <mc:Choice Requires="p159">
       <p:transition spd="slow">
         <p159:morph option="byObject"/>
       </p:transition>
     </mc:Choice>
-    <mc:Fallback>
+    <mc:Fallback xmlns="">
       <p:transition spd="slow">
         <p:fade/>
       </p:transition>
@@ -14640,13 +15481,13 @@
   <p:clrMapOvr>
     <a:masterClrMapping/>
   </p:clrMapOvr>
-  <mc:AlternateContent xmlns:mc="http://schemas.openxmlformats.org/markup-compatibility/2006">
-    <mc:Choice xmlns:p159="http://schemas.microsoft.com/office/powerpoint/2015/09/main" Requires="p159">
+  <mc:AlternateContent xmlns:mc="http://schemas.openxmlformats.org/markup-compatibility/2006" xmlns:p159="http://schemas.microsoft.com/office/powerpoint/2015/09/main">
+    <mc:Choice Requires="p159">
       <p:transition spd="slow">
         <p159:morph option="byObject"/>
       </p:transition>
     </mc:Choice>
-    <mc:Fallback>
+    <mc:Fallback xmlns="">
       <p:transition spd="slow">
         <p:fade/>
       </p:transition>
@@ -15867,13 +16708,13 @@
   <p:clrMapOvr>
     <a:masterClrMapping/>
   </p:clrMapOvr>
-  <mc:AlternateContent xmlns:mc="http://schemas.openxmlformats.org/markup-compatibility/2006">
-    <mc:Choice xmlns:p159="http://schemas.microsoft.com/office/powerpoint/2015/09/main" Requires="p159">
+  <mc:AlternateContent xmlns:mc="http://schemas.openxmlformats.org/markup-compatibility/2006" xmlns:p159="http://schemas.microsoft.com/office/powerpoint/2015/09/main">
+    <mc:Choice Requires="p159">
       <p:transition spd="slow">
         <p159:morph option="byObject"/>
       </p:transition>
     </mc:Choice>
-    <mc:Fallback>
+    <mc:Fallback xmlns="">
       <p:transition spd="slow">
         <p:fade/>
       </p:transition>
@@ -16511,13 +17352,13 @@
   <p:clrMapOvr>
     <a:masterClrMapping/>
   </p:clrMapOvr>
-  <mc:AlternateContent xmlns:mc="http://schemas.openxmlformats.org/markup-compatibility/2006">
-    <mc:Choice xmlns:p159="http://schemas.microsoft.com/office/powerpoint/2015/09/main" Requires="p159">
+  <mc:AlternateContent xmlns:mc="http://schemas.openxmlformats.org/markup-compatibility/2006" xmlns:p159="http://schemas.microsoft.com/office/powerpoint/2015/09/main">
+    <mc:Choice Requires="p159">
       <p:transition spd="slow">
         <p159:morph option="byObject"/>
       </p:transition>
     </mc:Choice>
-    <mc:Fallback>
+    <mc:Fallback xmlns="">
       <p:transition spd="slow">
         <p:fade/>
       </p:transition>
@@ -17718,13 +18559,13 @@
   <p:clrMapOvr>
     <a:masterClrMapping/>
   </p:clrMapOvr>
-  <mc:AlternateContent xmlns:mc="http://schemas.openxmlformats.org/markup-compatibility/2006">
-    <mc:Choice xmlns:p159="http://schemas.microsoft.com/office/powerpoint/2015/09/main" Requires="p159">
+  <mc:AlternateContent xmlns:mc="http://schemas.openxmlformats.org/markup-compatibility/2006" xmlns:p159="http://schemas.microsoft.com/office/powerpoint/2015/09/main">
+    <mc:Choice Requires="p159">
       <p:transition spd="slow">
         <p159:morph option="byObject"/>
       </p:transition>
     </mc:Choice>
-    <mc:Fallback>
+    <mc:Fallback xmlns="">
       <p:transition spd="slow">
         <p:fade/>
       </p:transition>
@@ -18268,13 +19109,13 @@
   <p:clrMapOvr>
     <a:masterClrMapping/>
   </p:clrMapOvr>
-  <mc:AlternateContent xmlns:mc="http://schemas.openxmlformats.org/markup-compatibility/2006">
-    <mc:Choice xmlns:p159="http://schemas.microsoft.com/office/powerpoint/2015/09/main" Requires="p159">
+  <mc:AlternateContent xmlns:mc="http://schemas.openxmlformats.org/markup-compatibility/2006" xmlns:p159="http://schemas.microsoft.com/office/powerpoint/2015/09/main">
+    <mc:Choice Requires="p159">
       <p:transition spd="slow">
         <p159:morph option="byObject"/>
       </p:transition>
     </mc:Choice>
-    <mc:Fallback>
+    <mc:Fallback xmlns="">
       <p:transition spd="slow">
         <p:fade/>
       </p:transition>
@@ -19218,13 +20059,13 @@
   <p:clrMapOvr>
     <a:masterClrMapping/>
   </p:clrMapOvr>
-  <mc:AlternateContent xmlns:mc="http://schemas.openxmlformats.org/markup-compatibility/2006">
-    <mc:Choice xmlns:p159="http://schemas.microsoft.com/office/powerpoint/2015/09/main" Requires="p159">
+  <mc:AlternateContent xmlns:mc="http://schemas.openxmlformats.org/markup-compatibility/2006" xmlns:p159="http://schemas.microsoft.com/office/powerpoint/2015/09/main">
+    <mc:Choice Requires="p159">
       <p:transition spd="slow">
         <p159:morph option="byObject"/>
       </p:transition>
     </mc:Choice>
-    <mc:Fallback>
+    <mc:Fallback xmlns="">
       <p:transition spd="slow">
         <p:fade/>
       </p:transition>
@@ -20374,13 +21215,13 @@
   <p:clrMapOvr>
     <a:masterClrMapping/>
   </p:clrMapOvr>
-  <mc:AlternateContent xmlns:mc="http://schemas.openxmlformats.org/markup-compatibility/2006">
-    <mc:Choice xmlns:p159="http://schemas.microsoft.com/office/powerpoint/2015/09/main" Requires="p159">
+  <mc:AlternateContent xmlns:mc="http://schemas.openxmlformats.org/markup-compatibility/2006" xmlns:p159="http://schemas.microsoft.com/office/powerpoint/2015/09/main">
+    <mc:Choice Requires="p159">
       <p:transition spd="slow">
         <p159:morph option="byObject"/>
       </p:transition>
     </mc:Choice>
-    <mc:Fallback>
+    <mc:Fallback xmlns="">
       <p:transition spd="slow">
         <p:fade/>
       </p:transition>
@@ -21799,13 +22640,13 @@
   <p:clrMapOvr>
     <a:masterClrMapping/>
   </p:clrMapOvr>
-  <mc:AlternateContent xmlns:mc="http://schemas.openxmlformats.org/markup-compatibility/2006">
-    <mc:Choice xmlns:p159="http://schemas.microsoft.com/office/powerpoint/2015/09/main" Requires="p159">
+  <mc:AlternateContent xmlns:mc="http://schemas.openxmlformats.org/markup-compatibility/2006" xmlns:p159="http://schemas.microsoft.com/office/powerpoint/2015/09/main">
+    <mc:Choice Requires="p159">
       <p:transition spd="slow">
         <p159:morph option="byObject"/>
       </p:transition>
     </mc:Choice>
-    <mc:Fallback>
+    <mc:Fallback xmlns="">
       <p:transition spd="slow">
         <p:fade/>
       </p:transition>
@@ -23227,13 +24068,13 @@
   <p:clrMapOvr>
     <a:masterClrMapping/>
   </p:clrMapOvr>
-  <mc:AlternateContent xmlns:mc="http://schemas.openxmlformats.org/markup-compatibility/2006">
-    <mc:Choice xmlns:p159="http://schemas.microsoft.com/office/powerpoint/2015/09/main" Requires="p159">
+  <mc:AlternateContent xmlns:mc="http://schemas.openxmlformats.org/markup-compatibility/2006" xmlns:p159="http://schemas.microsoft.com/office/powerpoint/2015/09/main">
+    <mc:Choice Requires="p159">
       <p:transition spd="slow">
         <p159:morph option="byObject"/>
       </p:transition>
     </mc:Choice>
-    <mc:Fallback>
+    <mc:Fallback xmlns="">
       <p:transition spd="slow">
         <p:fade/>
       </p:transition>
@@ -23996,13 +24837,13 @@
   <p:clrMapOvr>
     <a:masterClrMapping/>
   </p:clrMapOvr>
-  <mc:AlternateContent xmlns:mc="http://schemas.openxmlformats.org/markup-compatibility/2006">
-    <mc:Choice xmlns:p159="http://schemas.microsoft.com/office/powerpoint/2015/09/main" Requires="p159">
+  <mc:AlternateContent xmlns:mc="http://schemas.openxmlformats.org/markup-compatibility/2006" xmlns:p159="http://schemas.microsoft.com/office/powerpoint/2015/09/main">
+    <mc:Choice Requires="p159">
       <p:transition spd="slow">
         <p159:morph option="byObject"/>
       </p:transition>
     </mc:Choice>
-    <mc:Fallback>
+    <mc:Fallback xmlns="">
       <p:transition spd="slow">
         <p:fade/>
       </p:transition>
@@ -25292,13 +26133,13 @@
   <p:clrMapOvr>
     <a:masterClrMapping/>
   </p:clrMapOvr>
-  <mc:AlternateContent xmlns:mc="http://schemas.openxmlformats.org/markup-compatibility/2006">
-    <mc:Choice xmlns:p159="http://schemas.microsoft.com/office/powerpoint/2015/09/main" Requires="p159">
+  <mc:AlternateContent xmlns:mc="http://schemas.openxmlformats.org/markup-compatibility/2006" xmlns:p159="http://schemas.microsoft.com/office/powerpoint/2015/09/main">
+    <mc:Choice Requires="p159">
       <p:transition spd="slow">
         <p159:morph option="byObject"/>
       </p:transition>
     </mc:Choice>
-    <mc:Fallback>
+    <mc:Fallback xmlns="">
       <p:transition spd="slow">
         <p:fade/>
       </p:transition>
@@ -25533,13 +26374,13 @@
     <p:sldLayoutId id="2147483658" r:id="rId19"/>
     <p:sldLayoutId id="2147483659" r:id="rId20"/>
   </p:sldLayoutIdLst>
-  <mc:AlternateContent xmlns:mc="http://schemas.openxmlformats.org/markup-compatibility/2006">
-    <mc:Choice xmlns:p159="http://schemas.microsoft.com/office/powerpoint/2015/09/main" Requires="p159">
+  <mc:AlternateContent xmlns:mc="http://schemas.openxmlformats.org/markup-compatibility/2006" xmlns:p159="http://schemas.microsoft.com/office/powerpoint/2015/09/main">
+    <mc:Choice Requires="p159">
       <p:transition spd="slow">
         <p159:morph option="byObject"/>
       </p:transition>
     </mc:Choice>
-    <mc:Fallback>
+    <mc:Fallback xmlns="">
       <p:transition spd="slow">
         <p:fade/>
       </p:transition>
@@ -25961,13 +26802,13 @@
   <p:clrMapOvr>
     <a:masterClrMapping/>
   </p:clrMapOvr>
-  <mc:AlternateContent xmlns:mc="http://schemas.openxmlformats.org/markup-compatibility/2006">
-    <mc:Choice xmlns:p159="http://schemas.microsoft.com/office/powerpoint/2015/09/main" Requires="p159">
+  <mc:AlternateContent xmlns:mc="http://schemas.openxmlformats.org/markup-compatibility/2006" xmlns:p159="http://schemas.microsoft.com/office/powerpoint/2015/09/main">
+    <mc:Choice Requires="p159">
       <p:transition spd="slow">
         <p159:morph option="byObject"/>
       </p:transition>
     </mc:Choice>
-    <mc:Fallback>
+    <mc:Fallback xmlns="">
       <p:transition spd="slow">
         <p:fade/>
       </p:transition>
@@ -26839,13 +27680,13 @@
   <p:clrMapOvr>
     <a:masterClrMapping/>
   </p:clrMapOvr>
-  <mc:AlternateContent xmlns:mc="http://schemas.openxmlformats.org/markup-compatibility/2006">
-    <mc:Choice xmlns:p159="http://schemas.microsoft.com/office/powerpoint/2015/09/main" Requires="p159">
+  <mc:AlternateContent xmlns:mc="http://schemas.openxmlformats.org/markup-compatibility/2006" xmlns:p159="http://schemas.microsoft.com/office/powerpoint/2015/09/main">
+    <mc:Choice Requires="p159">
       <p:transition spd="slow">
         <p159:morph option="byObject"/>
       </p:transition>
     </mc:Choice>
-    <mc:Fallback>
+    <mc:Fallback xmlns="">
       <p:transition spd="slow">
         <p:fade/>
       </p:transition>
@@ -27779,13 +28620,13 @@
   <p:clrMapOvr>
     <a:masterClrMapping/>
   </p:clrMapOvr>
-  <mc:AlternateContent xmlns:mc="http://schemas.openxmlformats.org/markup-compatibility/2006">
-    <mc:Choice xmlns:p159="http://schemas.microsoft.com/office/powerpoint/2015/09/main" Requires="p159">
+  <mc:AlternateContent xmlns:mc="http://schemas.openxmlformats.org/markup-compatibility/2006" xmlns:p159="http://schemas.microsoft.com/office/powerpoint/2015/09/main">
+    <mc:Choice Requires="p159">
       <p:transition spd="slow">
         <p159:morph option="byObject"/>
       </p:transition>
     </mc:Choice>
-    <mc:Fallback>
+    <mc:Fallback xmlns="">
       <p:transition spd="slow">
         <p:fade/>
       </p:transition>
@@ -28719,13 +29560,13 @@
   <p:clrMapOvr>
     <a:masterClrMapping/>
   </p:clrMapOvr>
-  <mc:AlternateContent xmlns:mc="http://schemas.openxmlformats.org/markup-compatibility/2006">
-    <mc:Choice xmlns:p159="http://schemas.microsoft.com/office/powerpoint/2015/09/main" Requires="p159">
+  <mc:AlternateContent xmlns:mc="http://schemas.openxmlformats.org/markup-compatibility/2006" xmlns:p159="http://schemas.microsoft.com/office/powerpoint/2015/09/main">
+    <mc:Choice Requires="p159">
       <p:transition spd="slow">
         <p159:morph option="byObject"/>
       </p:transition>
     </mc:Choice>
-    <mc:Fallback>
+    <mc:Fallback xmlns="">
       <p:transition spd="slow">
         <p:fade/>
       </p:transition>
@@ -29921,13 +30762,13 @@
   <p:clrMapOvr>
     <a:masterClrMapping/>
   </p:clrMapOvr>
-  <mc:AlternateContent xmlns:mc="http://schemas.openxmlformats.org/markup-compatibility/2006">
-    <mc:Choice xmlns:p159="http://schemas.microsoft.com/office/powerpoint/2015/09/main" Requires="p159">
+  <mc:AlternateContent xmlns:mc="http://schemas.openxmlformats.org/markup-compatibility/2006" xmlns:p159="http://schemas.microsoft.com/office/powerpoint/2015/09/main">
+    <mc:Choice Requires="p159">
       <p:transition spd="slow">
         <p159:morph option="byObject"/>
       </p:transition>
     </mc:Choice>
-    <mc:Fallback>
+    <mc:Fallback xmlns="">
       <p:transition spd="slow">
         <p:fade/>
       </p:transition>
@@ -31232,13 +32073,13 @@
   <p:clrMapOvr>
     <a:masterClrMapping/>
   </p:clrMapOvr>
-  <mc:AlternateContent xmlns:mc="http://schemas.openxmlformats.org/markup-compatibility/2006">
-    <mc:Choice xmlns:p159="http://schemas.microsoft.com/office/powerpoint/2015/09/main" Requires="p159">
+  <mc:AlternateContent xmlns:mc="http://schemas.openxmlformats.org/markup-compatibility/2006" xmlns:p159="http://schemas.microsoft.com/office/powerpoint/2015/09/main">
+    <mc:Choice Requires="p159">
       <p:transition spd="slow">
         <p159:morph option="byObject"/>
       </p:transition>
     </mc:Choice>
-    <mc:Fallback>
+    <mc:Fallback xmlns="">
       <p:transition spd="slow">
         <p:fade/>
       </p:transition>
@@ -32283,13 +33124,13 @@
   <p:clrMapOvr>
     <a:masterClrMapping/>
   </p:clrMapOvr>
-  <mc:AlternateContent xmlns:mc="http://schemas.openxmlformats.org/markup-compatibility/2006">
-    <mc:Choice xmlns:p159="http://schemas.microsoft.com/office/powerpoint/2015/09/main" Requires="p159">
+  <mc:AlternateContent xmlns:mc="http://schemas.openxmlformats.org/markup-compatibility/2006" xmlns:p159="http://schemas.microsoft.com/office/powerpoint/2015/09/main">
+    <mc:Choice Requires="p159">
       <p:transition spd="slow">
         <p159:morph option="byObject"/>
       </p:transition>
     </mc:Choice>
-    <mc:Fallback>
+    <mc:Fallback xmlns="">
       <p:transition spd="slow">
         <p:fade/>
       </p:transition>
@@ -33480,13 +34321,13 @@
   <p:clrMapOvr>
     <a:masterClrMapping/>
   </p:clrMapOvr>
-  <mc:AlternateContent xmlns:mc="http://schemas.openxmlformats.org/markup-compatibility/2006">
-    <mc:Choice xmlns:p159="http://schemas.microsoft.com/office/powerpoint/2015/09/main" Requires="p159">
+  <mc:AlternateContent xmlns:mc="http://schemas.openxmlformats.org/markup-compatibility/2006" xmlns:p159="http://schemas.microsoft.com/office/powerpoint/2015/09/main">
+    <mc:Choice Requires="p159">
       <p:transition spd="slow">
         <p159:morph option="byObject"/>
       </p:transition>
     </mc:Choice>
-    <mc:Fallback>
+    <mc:Fallback xmlns="">
       <p:transition spd="slow">
         <p:fade/>
       </p:transition>
@@ -34677,13 +35518,13 @@
   <p:clrMapOvr>
     <a:masterClrMapping/>
   </p:clrMapOvr>
-  <mc:AlternateContent xmlns:mc="http://schemas.openxmlformats.org/markup-compatibility/2006">
-    <mc:Choice xmlns:p159="http://schemas.microsoft.com/office/powerpoint/2015/09/main" Requires="p159">
+  <mc:AlternateContent xmlns:mc="http://schemas.openxmlformats.org/markup-compatibility/2006" xmlns:p159="http://schemas.microsoft.com/office/powerpoint/2015/09/main">
+    <mc:Choice Requires="p159">
       <p:transition spd="slow">
         <p159:morph option="byObject"/>
       </p:transition>
     </mc:Choice>
-    <mc:Fallback>
+    <mc:Fallback xmlns="">
       <p:transition spd="slow">
         <p:fade/>
       </p:transition>
@@ -35172,13 +36013,13 @@
   <p:clrMapOvr>
     <a:masterClrMapping/>
   </p:clrMapOvr>
-  <mc:AlternateContent xmlns:mc="http://schemas.openxmlformats.org/markup-compatibility/2006">
-    <mc:Choice xmlns:p159="http://schemas.microsoft.com/office/powerpoint/2015/09/main" Requires="p159">
+  <mc:AlternateContent xmlns:mc="http://schemas.openxmlformats.org/markup-compatibility/2006" xmlns:p159="http://schemas.microsoft.com/office/powerpoint/2015/09/main">
+    <mc:Choice Requires="p159">
       <p:transition spd="slow">
         <p159:morph option="byObject"/>
       </p:transition>
     </mc:Choice>
-    <mc:Fallback>
+    <mc:Fallback xmlns="">
       <p:transition spd="slow">
         <p:fade/>
       </p:transition>
@@ -36149,13 +36990,13 @@
   <p:clrMapOvr>
     <a:masterClrMapping/>
   </p:clrMapOvr>
-  <mc:AlternateContent xmlns:mc="http://schemas.openxmlformats.org/markup-compatibility/2006">
-    <mc:Choice xmlns:p159="http://schemas.microsoft.com/office/powerpoint/2015/09/main" Requires="p159">
+  <mc:AlternateContent xmlns:mc="http://schemas.openxmlformats.org/markup-compatibility/2006" xmlns:p159="http://schemas.microsoft.com/office/powerpoint/2015/09/main">
+    <mc:Choice Requires="p159">
       <p:transition spd="slow">
         <p159:morph option="byObject"/>
       </p:transition>
     </mc:Choice>
-    <mc:Fallback>
+    <mc:Fallback xmlns="">
       <p:transition spd="slow">
         <p:fade/>
       </p:transition>
@@ -36640,13 +37481,13 @@
   <p:clrMapOvr>
     <a:masterClrMapping/>
   </p:clrMapOvr>
-  <mc:AlternateContent xmlns:mc="http://schemas.openxmlformats.org/markup-compatibility/2006">
-    <mc:Choice xmlns:p159="http://schemas.microsoft.com/office/powerpoint/2015/09/main" Requires="p159">
+  <mc:AlternateContent xmlns:mc="http://schemas.openxmlformats.org/markup-compatibility/2006" xmlns:p159="http://schemas.microsoft.com/office/powerpoint/2015/09/main">
+    <mc:Choice Requires="p159">
       <p:transition spd="slow">
         <p159:morph option="byObject"/>
       </p:transition>
     </mc:Choice>
-    <mc:Fallback>
+    <mc:Fallback xmlns="">
       <p:transition spd="slow">
         <p:fade/>
       </p:transition>
@@ -37131,13 +37972,13 @@
   <p:clrMapOvr>
     <a:masterClrMapping/>
   </p:clrMapOvr>
-  <mc:AlternateContent xmlns:mc="http://schemas.openxmlformats.org/markup-compatibility/2006">
-    <mc:Choice xmlns:p159="http://schemas.microsoft.com/office/powerpoint/2015/09/main" Requires="p159">
+  <mc:AlternateContent xmlns:mc="http://schemas.openxmlformats.org/markup-compatibility/2006" xmlns:p159="http://schemas.microsoft.com/office/powerpoint/2015/09/main">
+    <mc:Choice Requires="p159">
       <p:transition spd="slow">
         <p159:morph option="byObject"/>
       </p:transition>
     </mc:Choice>
-    <mc:Fallback>
+    <mc:Fallback xmlns="">
       <p:transition spd="slow">
         <p:fade/>
       </p:transition>
@@ -38162,13 +39003,13 @@
   <p:clrMapOvr>
     <a:masterClrMapping/>
   </p:clrMapOvr>
-  <mc:AlternateContent xmlns:mc="http://schemas.openxmlformats.org/markup-compatibility/2006">
-    <mc:Choice xmlns:p159="http://schemas.microsoft.com/office/powerpoint/2015/09/main" Requires="p159">
+  <mc:AlternateContent xmlns:mc="http://schemas.openxmlformats.org/markup-compatibility/2006" xmlns:p159="http://schemas.microsoft.com/office/powerpoint/2015/09/main">
+    <mc:Choice Requires="p159">
       <p:transition spd="slow">
         <p159:morph option="byObject"/>
       </p:transition>
     </mc:Choice>
-    <mc:Fallback>
+    <mc:Fallback xmlns="">
       <p:transition spd="slow">
         <p:fade/>
       </p:transition>
@@ -39171,13 +40012,13 @@
   <p:clrMapOvr>
     <a:masterClrMapping/>
   </p:clrMapOvr>
-  <mc:AlternateContent xmlns:mc="http://schemas.openxmlformats.org/markup-compatibility/2006">
-    <mc:Choice xmlns:p159="http://schemas.microsoft.com/office/powerpoint/2015/09/main" Requires="p159">
+  <mc:AlternateContent xmlns:mc="http://schemas.openxmlformats.org/markup-compatibility/2006" xmlns:p159="http://schemas.microsoft.com/office/powerpoint/2015/09/main">
+    <mc:Choice Requires="p159">
       <p:transition spd="slow">
         <p159:morph option="byObject"/>
       </p:transition>
     </mc:Choice>
-    <mc:Fallback>
+    <mc:Fallback xmlns="">
       <p:transition spd="slow">
         <p:fade/>
       </p:transition>
@@ -40174,13 +41015,13 @@
   <p:clrMapOvr>
     <a:masterClrMapping/>
   </p:clrMapOvr>
-  <mc:AlternateContent xmlns:mc="http://schemas.openxmlformats.org/markup-compatibility/2006">
-    <mc:Choice xmlns:p159="http://schemas.microsoft.com/office/powerpoint/2015/09/main" Requires="p159">
+  <mc:AlternateContent xmlns:mc="http://schemas.openxmlformats.org/markup-compatibility/2006" xmlns:p159="http://schemas.microsoft.com/office/powerpoint/2015/09/main">
+    <mc:Choice Requires="p159">
       <p:transition spd="slow">
         <p159:morph option="byObject"/>
       </p:transition>
     </mc:Choice>
-    <mc:Fallback>
+    <mc:Fallback xmlns="">
       <p:transition spd="slow">
         <p:fade/>
       </p:transition>
@@ -41387,13 +42228,13 @@
   <p:clrMapOvr>
     <a:masterClrMapping/>
   </p:clrMapOvr>
-  <mc:AlternateContent xmlns:mc="http://schemas.openxmlformats.org/markup-compatibility/2006">
-    <mc:Choice xmlns:p159="http://schemas.microsoft.com/office/powerpoint/2015/09/main" Requires="p159">
+  <mc:AlternateContent xmlns:mc="http://schemas.openxmlformats.org/markup-compatibility/2006" xmlns:p159="http://schemas.microsoft.com/office/powerpoint/2015/09/main">
+    <mc:Choice Requires="p159">
       <p:transition spd="slow">
         <p159:morph option="byObject"/>
       </p:transition>
     </mc:Choice>
-    <mc:Fallback>
+    <mc:Fallback xmlns="">
       <p:transition spd="slow">
         <p:fade/>
       </p:transition>
@@ -42356,13 +43197,13 @@
   <p:clrMapOvr>
     <a:masterClrMapping/>
   </p:clrMapOvr>
-  <mc:AlternateContent xmlns:mc="http://schemas.openxmlformats.org/markup-compatibility/2006">
-    <mc:Choice xmlns:p159="http://schemas.microsoft.com/office/powerpoint/2015/09/main" Requires="p159">
+  <mc:AlternateContent xmlns:mc="http://schemas.openxmlformats.org/markup-compatibility/2006" xmlns:p159="http://schemas.microsoft.com/office/powerpoint/2015/09/main">
+    <mc:Choice Requires="p159">
       <p:transition spd="slow">
         <p159:morph option="byObject"/>
       </p:transition>
     </mc:Choice>
-    <mc:Fallback>
+    <mc:Fallback xmlns="">
       <p:transition spd="slow">
         <p:fade/>
       </p:transition>
@@ -42539,13 +43380,13 @@
   <p:clrMapOvr>
     <a:masterClrMapping/>
   </p:clrMapOvr>
-  <mc:AlternateContent xmlns:mc="http://schemas.openxmlformats.org/markup-compatibility/2006">
-    <mc:Choice xmlns:p159="http://schemas.microsoft.com/office/powerpoint/2015/09/main" Requires="p159">
+  <mc:AlternateContent xmlns:mc="http://schemas.openxmlformats.org/markup-compatibility/2006" xmlns:p159="http://schemas.microsoft.com/office/powerpoint/2015/09/main">
+    <mc:Choice Requires="p159">
       <p:transition spd="slow">
         <p159:morph option="byObject"/>
       </p:transition>
     </mc:Choice>
-    <mc:Fallback>
+    <mc:Fallback xmlns="">
       <p:transition spd="slow">
         <p:fade/>
       </p:transition>
@@ -42628,6 +43469,305 @@
     <p:extLst>
       <p:ext uri="{BB962C8B-B14F-4D97-AF65-F5344CB8AC3E}">
         <p14:creationId xmlns:p14="http://schemas.microsoft.com/office/powerpoint/2010/main" val="1003962426"/>
+      </p:ext>
+    </p:extLst>
+  </p:cSld>
+  <p:clrMapOvr>
+    <a:masterClrMapping/>
+  </p:clrMapOvr>
+  <mc:AlternateContent xmlns:mc="http://schemas.openxmlformats.org/markup-compatibility/2006" xmlns:p159="http://schemas.microsoft.com/office/powerpoint/2015/09/main">
+    <mc:Choice Requires="p159">
+      <p:transition spd="slow">
+        <p159:morph option="byObject"/>
+      </p:transition>
+    </mc:Choice>
+    <mc:Fallback xmlns="">
+      <p:transition spd="slow">
+        <p:fade/>
+      </p:transition>
+    </mc:Fallback>
+  </mc:AlternateContent>
+</p:sld>
+</file>
+
+<file path=ppt/slides/slide28.xml><?xml version="1.0" encoding="utf-8"?>
+<p:sld xmlns:a="http://schemas.openxmlformats.org/drawingml/2006/main" xmlns:r="http://schemas.openxmlformats.org/officeDocument/2006/relationships" xmlns:p="http://schemas.openxmlformats.org/presentationml/2006/main">
+  <p:cSld>
+    <p:spTree>
+      <p:nvGrpSpPr>
+        <p:cNvPr id="1" name="">
+          <a:extLst>
+            <a:ext uri="{FF2B5EF4-FFF2-40B4-BE49-F238E27FC236}">
+              <a16:creationId xmlns:a16="http://schemas.microsoft.com/office/drawing/2014/main" id="{1B1990C8-F135-D31E-C829-048B6191479B}"/>
+            </a:ext>
+          </a:extLst>
+        </p:cNvPr>
+        <p:cNvGrpSpPr/>
+        <p:nvPr/>
+      </p:nvGrpSpPr>
+      <p:grpSpPr>
+        <a:xfrm>
+          <a:off x="0" y="0"/>
+          <a:ext cx="0" cy="0"/>
+          <a:chOff x="0" y="0"/>
+          <a:chExt cx="0" cy="0"/>
+        </a:xfrm>
+      </p:grpSpPr>
+      <p:sp>
+        <p:nvSpPr>
+          <p:cNvPr id="2" name="Title 1">
+            <a:extLst>
+              <a:ext uri="{FF2B5EF4-FFF2-40B4-BE49-F238E27FC236}">
+                <a16:creationId xmlns:a16="http://schemas.microsoft.com/office/drawing/2014/main" id="{4328D2CE-5E61-B0F0-2220-4E3AD13230E1}"/>
+              </a:ext>
+            </a:extLst>
+          </p:cNvPr>
+          <p:cNvSpPr>
+            <a:spLocks noGrp="1"/>
+          </p:cNvSpPr>
+          <p:nvPr>
+            <p:ph type="title"/>
+          </p:nvPr>
+        </p:nvSpPr>
+        <p:spPr/>
+        <p:txBody>
+          <a:bodyPr/>
+          <a:lstStyle/>
+          <a:p>
+            <a:r>
+              <a:rPr lang="en-US" dirty="0"/>
+              <a:t>How to be gender sensitive?</a:t>
+            </a:r>
+          </a:p>
+        </p:txBody>
+      </p:sp>
+      <p:sp>
+        <p:nvSpPr>
+          <p:cNvPr id="4" name="Text Placeholder 3">
+            <a:extLst>
+              <a:ext uri="{FF2B5EF4-FFF2-40B4-BE49-F238E27FC236}">
+                <a16:creationId xmlns:a16="http://schemas.microsoft.com/office/drawing/2014/main" id="{3594DABA-1551-E354-AFC0-3E5D4282B170}"/>
+              </a:ext>
+            </a:extLst>
+          </p:cNvPr>
+          <p:cNvSpPr>
+            <a:spLocks noGrp="1"/>
+          </p:cNvSpPr>
+          <p:nvPr>
+            <p:ph type="body" idx="1"/>
+          </p:nvPr>
+        </p:nvSpPr>
+        <p:spPr/>
+        <p:txBody>
+          <a:bodyPr/>
+          <a:lstStyle/>
+          <a:p>
+            <a:endParaRPr lang="en-US"/>
+          </a:p>
+        </p:txBody>
+      </p:sp>
+      <p:sp>
+        <p:nvSpPr>
+          <p:cNvPr id="5" name="Slide Number Placeholder 4">
+            <a:extLst>
+              <a:ext uri="{FF2B5EF4-FFF2-40B4-BE49-F238E27FC236}">
+                <a16:creationId xmlns:a16="http://schemas.microsoft.com/office/drawing/2014/main" id="{B4061D83-BA9C-490D-6359-C332402B0116}"/>
+              </a:ext>
+            </a:extLst>
+          </p:cNvPr>
+          <p:cNvSpPr>
+            <a:spLocks noGrp="1"/>
+          </p:cNvSpPr>
+          <p:nvPr>
+            <p:ph type="sldNum" sz="quarter" idx="4294967295"/>
+          </p:nvPr>
+        </p:nvSpPr>
+        <p:spPr>
+          <a:xfrm>
+            <a:off x="11204575" y="457200"/>
+            <a:ext cx="987425" cy="274638"/>
+          </a:xfrm>
+        </p:spPr>
+        <p:txBody>
+          <a:bodyPr/>
+          <a:lstStyle/>
+          <a:p>
+            <a:fld id="{48F63A3B-78C7-47BE-AE5E-E10140E04643}" type="slidenum">
+              <a:rPr lang="en-US" smtClean="0"/>
+              <a:pPr/>
+              <a:t>28</a:t>
+            </a:fld>
+            <a:endParaRPr lang="en-US" dirty="0"/>
+          </a:p>
+        </p:txBody>
+      </p:sp>
+    </p:spTree>
+    <p:extLst>
+      <p:ext uri="{BB962C8B-B14F-4D97-AF65-F5344CB8AC3E}">
+        <p14:creationId xmlns:p14="http://schemas.microsoft.com/office/powerpoint/2010/main" val="3777240058"/>
+      </p:ext>
+    </p:extLst>
+  </p:cSld>
+  <p:clrMapOvr>
+    <a:masterClrMapping/>
+  </p:clrMapOvr>
+  <mc:AlternateContent xmlns:mc="http://schemas.openxmlformats.org/markup-compatibility/2006">
+    <mc:Choice xmlns:p159="http://schemas.microsoft.com/office/powerpoint/2015/09/main" Requires="p159">
+      <p:transition spd="slow">
+        <p159:morph option="byObject"/>
+      </p:transition>
+    </mc:Choice>
+    <mc:Fallback>
+      <p:transition spd="slow">
+        <p:fade/>
+      </p:transition>
+    </mc:Fallback>
+  </mc:AlternateContent>
+</p:sld>
+</file>
+
+<file path=ppt/slides/slide29.xml><?xml version="1.0" encoding="utf-8"?>
+<p:sld xmlns:a="http://schemas.openxmlformats.org/drawingml/2006/main" xmlns:r="http://schemas.openxmlformats.org/officeDocument/2006/relationships" xmlns:p="http://schemas.openxmlformats.org/presentationml/2006/main">
+  <p:cSld>
+    <p:spTree>
+      <p:nvGrpSpPr>
+        <p:cNvPr id="1" name="">
+          <a:extLst>
+            <a:ext uri="{FF2B5EF4-FFF2-40B4-BE49-F238E27FC236}">
+              <a16:creationId xmlns:a16="http://schemas.microsoft.com/office/drawing/2014/main" id="{733F4C39-9FBC-3218-D7A7-5220CA5C5D95}"/>
+            </a:ext>
+          </a:extLst>
+        </p:cNvPr>
+        <p:cNvGrpSpPr/>
+        <p:nvPr/>
+      </p:nvGrpSpPr>
+      <p:grpSpPr>
+        <a:xfrm>
+          <a:off x="0" y="0"/>
+          <a:ext cx="0" cy="0"/>
+          <a:chOff x="0" y="0"/>
+          <a:chExt cx="0" cy="0"/>
+        </a:xfrm>
+      </p:grpSpPr>
+      <p:sp>
+        <p:nvSpPr>
+          <p:cNvPr id="8" name="Title 7">
+            <a:extLst>
+              <a:ext uri="{FF2B5EF4-FFF2-40B4-BE49-F238E27FC236}">
+                <a16:creationId xmlns:a16="http://schemas.microsoft.com/office/drawing/2014/main" id="{CBB588B3-1FB2-DA5C-AFA9-67C674F127C0}"/>
+              </a:ext>
+            </a:extLst>
+          </p:cNvPr>
+          <p:cNvSpPr>
+            <a:spLocks noGrp="1"/>
+          </p:cNvSpPr>
+          <p:nvPr>
+            <p:ph type="title"/>
+          </p:nvPr>
+        </p:nvSpPr>
+        <p:spPr/>
+        <p:txBody>
+          <a:bodyPr/>
+          <a:lstStyle/>
+          <a:p>
+            <a:r>
+              <a:rPr lang="en-US" dirty="0"/>
+              <a:t>1. Do not assume someone’s </a:t>
+            </a:r>
+            <a:r>
+              <a:rPr lang="en-US" dirty="0" err="1"/>
+              <a:t>sogiesc</a:t>
+            </a:r>
+            <a:endParaRPr lang="en-US" dirty="0"/>
+          </a:p>
+        </p:txBody>
+      </p:sp>
+      <p:sp>
+        <p:nvSpPr>
+          <p:cNvPr id="9" name="Content Placeholder 8">
+            <a:extLst>
+              <a:ext uri="{FF2B5EF4-FFF2-40B4-BE49-F238E27FC236}">
+                <a16:creationId xmlns:a16="http://schemas.microsoft.com/office/drawing/2014/main" id="{A112EF16-BD3F-F569-7257-56602A1FCB98}"/>
+              </a:ext>
+            </a:extLst>
+          </p:cNvPr>
+          <p:cNvSpPr>
+            <a:spLocks noGrp="1"/>
+          </p:cNvSpPr>
+          <p:nvPr>
+            <p:ph idx="1"/>
+          </p:nvPr>
+        </p:nvSpPr>
+        <p:spPr/>
+        <p:txBody>
+          <a:bodyPr/>
+          <a:lstStyle/>
+          <a:p>
+            <a:endParaRPr lang="en-US" dirty="0"/>
+          </a:p>
+          <a:p>
+            <a:endParaRPr lang="en-US" dirty="0"/>
+          </a:p>
+          <a:p>
+            <a:endParaRPr lang="en-US" dirty="0"/>
+          </a:p>
+          <a:p>
+            <a:endParaRPr lang="en-US" dirty="0"/>
+          </a:p>
+          <a:p>
+            <a:endParaRPr lang="en-US" dirty="0"/>
+          </a:p>
+          <a:p>
+            <a:endParaRPr lang="en-US" dirty="0"/>
+          </a:p>
+          <a:p>
+            <a:r>
+              <a:rPr lang="en-US" dirty="0"/>
+              <a:t>Not our business.</a:t>
+            </a:r>
+          </a:p>
+          <a:p>
+            <a:r>
+              <a:rPr lang="en-US" dirty="0"/>
+              <a:t>Sexual activities ≠ Sexual Orientation.</a:t>
+            </a:r>
+          </a:p>
+        </p:txBody>
+      </p:sp>
+      <p:sp>
+        <p:nvSpPr>
+          <p:cNvPr id="5" name="Slide Number Placeholder 4">
+            <a:extLst>
+              <a:ext uri="{FF2B5EF4-FFF2-40B4-BE49-F238E27FC236}">
+                <a16:creationId xmlns:a16="http://schemas.microsoft.com/office/drawing/2014/main" id="{6C245866-FBF3-E8E8-7F42-08AD7EDB4E91}"/>
+              </a:ext>
+            </a:extLst>
+          </p:cNvPr>
+          <p:cNvSpPr>
+            <a:spLocks noGrp="1"/>
+          </p:cNvSpPr>
+          <p:nvPr>
+            <p:ph type="sldNum" sz="quarter" idx="12"/>
+          </p:nvPr>
+        </p:nvSpPr>
+        <p:spPr/>
+        <p:txBody>
+          <a:bodyPr/>
+          <a:lstStyle/>
+          <a:p>
+            <a:fld id="{48F63A3B-78C7-47BE-AE5E-E10140E04643}" type="slidenum">
+              <a:rPr lang="en-US" smtClean="0"/>
+              <a:pPr/>
+              <a:t>29</a:t>
+            </a:fld>
+            <a:endParaRPr lang="en-US" dirty="0"/>
+          </a:p>
+        </p:txBody>
+      </p:sp>
+    </p:spTree>
+    <p:extLst>
+      <p:ext uri="{BB962C8B-B14F-4D97-AF65-F5344CB8AC3E}">
+        <p14:creationId xmlns:p14="http://schemas.microsoft.com/office/powerpoint/2010/main" val="515698751"/>
       </p:ext>
     </p:extLst>
   </p:cSld>
@@ -43636,6 +44776,164 @@
   <p:clrMapOvr>
     <a:masterClrMapping/>
   </p:clrMapOvr>
+  <mc:AlternateContent xmlns:mc="http://schemas.openxmlformats.org/markup-compatibility/2006" xmlns:p159="http://schemas.microsoft.com/office/powerpoint/2015/09/main">
+    <mc:Choice Requires="p159">
+      <p:transition spd="slow">
+        <p159:morph option="byObject"/>
+      </p:transition>
+    </mc:Choice>
+    <mc:Fallback xmlns="">
+      <p:transition spd="slow">
+        <p:fade/>
+      </p:transition>
+    </mc:Fallback>
+  </mc:AlternateContent>
+</p:sld>
+</file>
+
+<file path=ppt/slides/slide30.xml><?xml version="1.0" encoding="utf-8"?>
+<p:sld xmlns:a="http://schemas.openxmlformats.org/drawingml/2006/main" xmlns:r="http://schemas.openxmlformats.org/officeDocument/2006/relationships" xmlns:p="http://schemas.openxmlformats.org/presentationml/2006/main">
+  <p:cSld>
+    <p:spTree>
+      <p:nvGrpSpPr>
+        <p:cNvPr id="1" name="">
+          <a:extLst>
+            <a:ext uri="{FF2B5EF4-FFF2-40B4-BE49-F238E27FC236}">
+              <a16:creationId xmlns:a16="http://schemas.microsoft.com/office/drawing/2014/main" id="{DF15C52C-0CE7-0D40-FBA3-6DF653989059}"/>
+            </a:ext>
+          </a:extLst>
+        </p:cNvPr>
+        <p:cNvGrpSpPr/>
+        <p:nvPr/>
+      </p:nvGrpSpPr>
+      <p:grpSpPr>
+        <a:xfrm>
+          <a:off x="0" y="0"/>
+          <a:ext cx="0" cy="0"/>
+          <a:chOff x="0" y="0"/>
+          <a:chExt cx="0" cy="0"/>
+        </a:xfrm>
+      </p:grpSpPr>
+      <p:sp>
+        <p:nvSpPr>
+          <p:cNvPr id="8" name="Title 7">
+            <a:extLst>
+              <a:ext uri="{FF2B5EF4-FFF2-40B4-BE49-F238E27FC236}">
+                <a16:creationId xmlns:a16="http://schemas.microsoft.com/office/drawing/2014/main" id="{4FBEC2D4-4342-1D1F-D74D-6459F8EA1A15}"/>
+              </a:ext>
+            </a:extLst>
+          </p:cNvPr>
+          <p:cNvSpPr>
+            <a:spLocks noGrp="1"/>
+          </p:cNvSpPr>
+          <p:nvPr>
+            <p:ph type="title"/>
+          </p:nvPr>
+        </p:nvSpPr>
+        <p:spPr/>
+        <p:txBody>
+          <a:bodyPr/>
+          <a:lstStyle/>
+          <a:p>
+            <a:r>
+              <a:rPr lang="en-US" dirty="0"/>
+              <a:t>2. Respect pronouns / lived names</a:t>
+            </a:r>
+          </a:p>
+        </p:txBody>
+      </p:sp>
+      <p:sp>
+        <p:nvSpPr>
+          <p:cNvPr id="9" name="Content Placeholder 8">
+            <a:extLst>
+              <a:ext uri="{FF2B5EF4-FFF2-40B4-BE49-F238E27FC236}">
+                <a16:creationId xmlns:a16="http://schemas.microsoft.com/office/drawing/2014/main" id="{862DBF73-E4F2-87A1-9F8A-7B0DABBA2BC8}"/>
+              </a:ext>
+            </a:extLst>
+          </p:cNvPr>
+          <p:cNvSpPr>
+            <a:spLocks noGrp="1"/>
+          </p:cNvSpPr>
+          <p:nvPr>
+            <p:ph idx="1"/>
+          </p:nvPr>
+        </p:nvSpPr>
+        <p:spPr/>
+        <p:txBody>
+          <a:bodyPr/>
+          <a:lstStyle/>
+          <a:p>
+            <a:endParaRPr lang="en-US" dirty="0"/>
+          </a:p>
+          <a:p>
+            <a:endParaRPr lang="en-US" dirty="0"/>
+          </a:p>
+          <a:p>
+            <a:endParaRPr lang="en-US" dirty="0"/>
+          </a:p>
+          <a:p>
+            <a:endParaRPr lang="en-US" dirty="0"/>
+          </a:p>
+          <a:p>
+            <a:endParaRPr lang="en-US" dirty="0"/>
+          </a:p>
+          <a:p>
+            <a:r>
+              <a:rPr lang="en-US" dirty="0"/>
+              <a:t>If you do not know, observe first, ask someone they know, or establish an inclusive space. Else, try to use gender neutral language.</a:t>
+            </a:r>
+          </a:p>
+          <a:p>
+            <a:endParaRPr lang="en-US" dirty="0"/>
+          </a:p>
+          <a:p>
+            <a:r>
+              <a:rPr lang="en-US" dirty="0"/>
+              <a:t>Correct someone you know if they misgender another person (be an ally).</a:t>
+            </a:r>
+          </a:p>
+        </p:txBody>
+      </p:sp>
+      <p:sp>
+        <p:nvSpPr>
+          <p:cNvPr id="5" name="Slide Number Placeholder 4">
+            <a:extLst>
+              <a:ext uri="{FF2B5EF4-FFF2-40B4-BE49-F238E27FC236}">
+                <a16:creationId xmlns:a16="http://schemas.microsoft.com/office/drawing/2014/main" id="{E6262D3B-9ED9-1E47-D784-8289127C6C7E}"/>
+              </a:ext>
+            </a:extLst>
+          </p:cNvPr>
+          <p:cNvSpPr>
+            <a:spLocks noGrp="1"/>
+          </p:cNvSpPr>
+          <p:nvPr>
+            <p:ph type="sldNum" sz="quarter" idx="12"/>
+          </p:nvPr>
+        </p:nvSpPr>
+        <p:spPr/>
+        <p:txBody>
+          <a:bodyPr/>
+          <a:lstStyle/>
+          <a:p>
+            <a:fld id="{48F63A3B-78C7-47BE-AE5E-E10140E04643}" type="slidenum">
+              <a:rPr lang="en-US" smtClean="0"/>
+              <a:pPr/>
+              <a:t>30</a:t>
+            </a:fld>
+            <a:endParaRPr lang="en-US" dirty="0"/>
+          </a:p>
+        </p:txBody>
+      </p:sp>
+    </p:spTree>
+    <p:extLst>
+      <p:ext uri="{BB962C8B-B14F-4D97-AF65-F5344CB8AC3E}">
+        <p14:creationId xmlns:p14="http://schemas.microsoft.com/office/powerpoint/2010/main" val="1962147752"/>
+      </p:ext>
+    </p:extLst>
+  </p:cSld>
+  <p:clrMapOvr>
+    <a:masterClrMapping/>
+  </p:clrMapOvr>
   <mc:AlternateContent xmlns:mc="http://schemas.openxmlformats.org/markup-compatibility/2006">
     <mc:Choice xmlns:p159="http://schemas.microsoft.com/office/powerpoint/2015/09/main" Requires="p159">
       <p:transition spd="slow">
@@ -43643,6 +44941,780 @@
       </p:transition>
     </mc:Choice>
     <mc:Fallback>
+      <p:transition spd="slow">
+        <p:fade/>
+      </p:transition>
+    </mc:Fallback>
+  </mc:AlternateContent>
+</p:sld>
+</file>
+
+<file path=ppt/slides/slide31.xml><?xml version="1.0" encoding="utf-8"?>
+<p:sld xmlns:a="http://schemas.openxmlformats.org/drawingml/2006/main" xmlns:r="http://schemas.openxmlformats.org/officeDocument/2006/relationships" xmlns:p="http://schemas.openxmlformats.org/presentationml/2006/main">
+  <p:cSld>
+    <p:spTree>
+      <p:nvGrpSpPr>
+        <p:cNvPr id="1" name="">
+          <a:extLst>
+            <a:ext uri="{FF2B5EF4-FFF2-40B4-BE49-F238E27FC236}">
+              <a16:creationId xmlns:a16="http://schemas.microsoft.com/office/drawing/2014/main" id="{A77985A2-E974-52D1-0039-0DFE56CC19AA}"/>
+            </a:ext>
+          </a:extLst>
+        </p:cNvPr>
+        <p:cNvGrpSpPr/>
+        <p:nvPr/>
+      </p:nvGrpSpPr>
+      <p:grpSpPr>
+        <a:xfrm>
+          <a:off x="0" y="0"/>
+          <a:ext cx="0" cy="0"/>
+          <a:chOff x="0" y="0"/>
+          <a:chExt cx="0" cy="0"/>
+        </a:xfrm>
+      </p:grpSpPr>
+      <p:sp>
+        <p:nvSpPr>
+          <p:cNvPr id="8" name="Title 7">
+            <a:extLst>
+              <a:ext uri="{FF2B5EF4-FFF2-40B4-BE49-F238E27FC236}">
+                <a16:creationId xmlns:a16="http://schemas.microsoft.com/office/drawing/2014/main" id="{EECD3903-F7EE-7C04-6DA7-7B8B2084ECD5}"/>
+              </a:ext>
+            </a:extLst>
+          </p:cNvPr>
+          <p:cNvSpPr>
+            <a:spLocks noGrp="1"/>
+          </p:cNvSpPr>
+          <p:nvPr>
+            <p:ph type="title"/>
+          </p:nvPr>
+        </p:nvSpPr>
+        <p:spPr/>
+        <p:txBody>
+          <a:bodyPr/>
+          <a:lstStyle/>
+          <a:p>
+            <a:r>
+              <a:rPr lang="en-US" dirty="0"/>
+              <a:t>3. Never ‘out’ someone </a:t>
+            </a:r>
+          </a:p>
+        </p:txBody>
+      </p:sp>
+      <p:sp>
+        <p:nvSpPr>
+          <p:cNvPr id="9" name="Content Placeholder 8">
+            <a:extLst>
+              <a:ext uri="{FF2B5EF4-FFF2-40B4-BE49-F238E27FC236}">
+                <a16:creationId xmlns:a16="http://schemas.microsoft.com/office/drawing/2014/main" id="{61D60492-2780-3C90-53D9-429EEEC6A31E}"/>
+              </a:ext>
+            </a:extLst>
+          </p:cNvPr>
+          <p:cNvSpPr>
+            <a:spLocks noGrp="1"/>
+          </p:cNvSpPr>
+          <p:nvPr>
+            <p:ph idx="1"/>
+          </p:nvPr>
+        </p:nvSpPr>
+        <p:spPr/>
+        <p:txBody>
+          <a:bodyPr/>
+          <a:lstStyle/>
+          <a:p>
+            <a:endParaRPr lang="en-US" dirty="0"/>
+          </a:p>
+          <a:p>
+            <a:endParaRPr lang="en-US" dirty="0"/>
+          </a:p>
+          <a:p>
+            <a:r>
+              <a:rPr lang="en-US" dirty="0"/>
+              <a:t>Also be patient with a person who is Questioning</a:t>
+            </a:r>
+          </a:p>
+        </p:txBody>
+      </p:sp>
+      <p:sp>
+        <p:nvSpPr>
+          <p:cNvPr id="5" name="Slide Number Placeholder 4">
+            <a:extLst>
+              <a:ext uri="{FF2B5EF4-FFF2-40B4-BE49-F238E27FC236}">
+                <a16:creationId xmlns:a16="http://schemas.microsoft.com/office/drawing/2014/main" id="{F0FC2502-0668-8C23-7FE8-2C4A5B0623CA}"/>
+              </a:ext>
+            </a:extLst>
+          </p:cNvPr>
+          <p:cNvSpPr>
+            <a:spLocks noGrp="1"/>
+          </p:cNvSpPr>
+          <p:nvPr>
+            <p:ph type="sldNum" sz="quarter" idx="12"/>
+          </p:nvPr>
+        </p:nvSpPr>
+        <p:spPr/>
+        <p:txBody>
+          <a:bodyPr/>
+          <a:lstStyle/>
+          <a:p>
+            <a:fld id="{48F63A3B-78C7-47BE-AE5E-E10140E04643}" type="slidenum">
+              <a:rPr lang="en-US" smtClean="0"/>
+              <a:pPr/>
+              <a:t>31</a:t>
+            </a:fld>
+            <a:endParaRPr lang="en-US" dirty="0"/>
+          </a:p>
+        </p:txBody>
+      </p:sp>
+    </p:spTree>
+    <p:extLst>
+      <p:ext uri="{BB962C8B-B14F-4D97-AF65-F5344CB8AC3E}">
+        <p14:creationId xmlns:p14="http://schemas.microsoft.com/office/powerpoint/2010/main" val="297368580"/>
+      </p:ext>
+    </p:extLst>
+  </p:cSld>
+  <p:clrMapOvr>
+    <a:masterClrMapping/>
+  </p:clrMapOvr>
+  <mc:AlternateContent xmlns:mc="http://schemas.openxmlformats.org/markup-compatibility/2006">
+    <mc:Choice xmlns:p159="http://schemas.microsoft.com/office/powerpoint/2015/09/main" Requires="p159">
+      <p:transition spd="slow">
+        <p159:morph option="byObject"/>
+      </p:transition>
+    </mc:Choice>
+    <mc:Fallback>
+      <p:transition spd="slow">
+        <p:fade/>
+      </p:transition>
+    </mc:Fallback>
+  </mc:AlternateContent>
+</p:sld>
+</file>
+
+<file path=ppt/slides/slide32.xml><?xml version="1.0" encoding="utf-8"?>
+<p:sld xmlns:a="http://schemas.openxmlformats.org/drawingml/2006/main" xmlns:r="http://schemas.openxmlformats.org/officeDocument/2006/relationships" xmlns:p="http://schemas.openxmlformats.org/presentationml/2006/main">
+  <p:cSld>
+    <p:spTree>
+      <p:nvGrpSpPr>
+        <p:cNvPr id="1" name="">
+          <a:extLst>
+            <a:ext uri="{FF2B5EF4-FFF2-40B4-BE49-F238E27FC236}">
+              <a16:creationId xmlns:a16="http://schemas.microsoft.com/office/drawing/2014/main" id="{303C024C-F145-CFB9-7EAB-E9DAE3736359}"/>
+            </a:ext>
+          </a:extLst>
+        </p:cNvPr>
+        <p:cNvGrpSpPr/>
+        <p:nvPr/>
+      </p:nvGrpSpPr>
+      <p:grpSpPr>
+        <a:xfrm>
+          <a:off x="0" y="0"/>
+          <a:ext cx="0" cy="0"/>
+          <a:chOff x="0" y="0"/>
+          <a:chExt cx="0" cy="0"/>
+        </a:xfrm>
+      </p:grpSpPr>
+      <p:sp>
+        <p:nvSpPr>
+          <p:cNvPr id="8" name="Title 7">
+            <a:extLst>
+              <a:ext uri="{FF2B5EF4-FFF2-40B4-BE49-F238E27FC236}">
+                <a16:creationId xmlns:a16="http://schemas.microsoft.com/office/drawing/2014/main" id="{4BB4BF0E-24BE-44F6-2297-0CBFD11B84F9}"/>
+              </a:ext>
+            </a:extLst>
+          </p:cNvPr>
+          <p:cNvSpPr>
+            <a:spLocks noGrp="1"/>
+          </p:cNvSpPr>
+          <p:nvPr>
+            <p:ph type="title"/>
+          </p:nvPr>
+        </p:nvSpPr>
+        <p:spPr/>
+        <p:txBody>
+          <a:bodyPr/>
+          <a:lstStyle/>
+          <a:p>
+            <a:r>
+              <a:rPr lang="en-US" dirty="0"/>
+              <a:t>4. Be careful not to give backhanded compliments</a:t>
+            </a:r>
+          </a:p>
+        </p:txBody>
+      </p:sp>
+      <p:sp>
+        <p:nvSpPr>
+          <p:cNvPr id="9" name="Content Placeholder 8">
+            <a:extLst>
+              <a:ext uri="{FF2B5EF4-FFF2-40B4-BE49-F238E27FC236}">
+                <a16:creationId xmlns:a16="http://schemas.microsoft.com/office/drawing/2014/main" id="{246AB0C4-B4DD-F4D6-FFA2-1C9C98D4A808}"/>
+              </a:ext>
+            </a:extLst>
+          </p:cNvPr>
+          <p:cNvSpPr>
+            <a:spLocks noGrp="1"/>
+          </p:cNvSpPr>
+          <p:nvPr>
+            <p:ph idx="1"/>
+          </p:nvPr>
+        </p:nvSpPr>
+        <p:spPr/>
+        <p:txBody>
+          <a:bodyPr/>
+          <a:lstStyle/>
+          <a:p>
+            <a:endParaRPr lang="en-US" dirty="0"/>
+          </a:p>
+        </p:txBody>
+      </p:sp>
+      <p:sp>
+        <p:nvSpPr>
+          <p:cNvPr id="5" name="Slide Number Placeholder 4">
+            <a:extLst>
+              <a:ext uri="{FF2B5EF4-FFF2-40B4-BE49-F238E27FC236}">
+                <a16:creationId xmlns:a16="http://schemas.microsoft.com/office/drawing/2014/main" id="{03BEE72A-C1D6-D9E0-AD76-849B64574605}"/>
+              </a:ext>
+            </a:extLst>
+          </p:cNvPr>
+          <p:cNvSpPr>
+            <a:spLocks noGrp="1"/>
+          </p:cNvSpPr>
+          <p:nvPr>
+            <p:ph type="sldNum" sz="quarter" idx="12"/>
+          </p:nvPr>
+        </p:nvSpPr>
+        <p:spPr/>
+        <p:txBody>
+          <a:bodyPr/>
+          <a:lstStyle/>
+          <a:p>
+            <a:fld id="{48F63A3B-78C7-47BE-AE5E-E10140E04643}" type="slidenum">
+              <a:rPr lang="en-US" smtClean="0"/>
+              <a:pPr/>
+              <a:t>32</a:t>
+            </a:fld>
+            <a:endParaRPr lang="en-US" dirty="0"/>
+          </a:p>
+        </p:txBody>
+      </p:sp>
+    </p:spTree>
+    <p:extLst>
+      <p:ext uri="{BB962C8B-B14F-4D97-AF65-F5344CB8AC3E}">
+        <p14:creationId xmlns:p14="http://schemas.microsoft.com/office/powerpoint/2010/main" val="100435832"/>
+      </p:ext>
+    </p:extLst>
+  </p:cSld>
+  <p:clrMapOvr>
+    <a:masterClrMapping/>
+  </p:clrMapOvr>
+  <mc:AlternateContent xmlns:mc="http://schemas.openxmlformats.org/markup-compatibility/2006">
+    <mc:Choice xmlns:p159="http://schemas.microsoft.com/office/powerpoint/2015/09/main" Requires="p159">
+      <p:transition spd="slow">
+        <p159:morph option="byObject"/>
+      </p:transition>
+    </mc:Choice>
+    <mc:Fallback>
+      <p:transition spd="slow">
+        <p:fade/>
+      </p:transition>
+    </mc:Fallback>
+  </mc:AlternateContent>
+</p:sld>
+</file>
+
+<file path=ppt/slides/slide33.xml><?xml version="1.0" encoding="utf-8"?>
+<p:sld xmlns:a="http://schemas.openxmlformats.org/drawingml/2006/main" xmlns:r="http://schemas.openxmlformats.org/officeDocument/2006/relationships" xmlns:p="http://schemas.openxmlformats.org/presentationml/2006/main">
+  <p:cSld>
+    <p:spTree>
+      <p:nvGrpSpPr>
+        <p:cNvPr id="1" name="">
+          <a:extLst>
+            <a:ext uri="{FF2B5EF4-FFF2-40B4-BE49-F238E27FC236}">
+              <a16:creationId xmlns:a16="http://schemas.microsoft.com/office/drawing/2014/main" id="{35549138-FAA5-4EE1-C71E-6D362438940E}"/>
+            </a:ext>
+          </a:extLst>
+        </p:cNvPr>
+        <p:cNvGrpSpPr/>
+        <p:nvPr/>
+      </p:nvGrpSpPr>
+      <p:grpSpPr>
+        <a:xfrm>
+          <a:off x="0" y="0"/>
+          <a:ext cx="0" cy="0"/>
+          <a:chOff x="0" y="0"/>
+          <a:chExt cx="0" cy="0"/>
+        </a:xfrm>
+      </p:grpSpPr>
+      <p:sp>
+        <p:nvSpPr>
+          <p:cNvPr id="8" name="Title 7">
+            <a:extLst>
+              <a:ext uri="{FF2B5EF4-FFF2-40B4-BE49-F238E27FC236}">
+                <a16:creationId xmlns:a16="http://schemas.microsoft.com/office/drawing/2014/main" id="{DF4F96B5-2ED1-8D86-2445-62385CEE225B}"/>
+              </a:ext>
+            </a:extLst>
+          </p:cNvPr>
+          <p:cNvSpPr>
+            <a:spLocks noGrp="1"/>
+          </p:cNvSpPr>
+          <p:nvPr>
+            <p:ph type="title"/>
+          </p:nvPr>
+        </p:nvSpPr>
+        <p:spPr/>
+        <p:txBody>
+          <a:bodyPr/>
+          <a:lstStyle/>
+          <a:p>
+            <a:r>
+              <a:rPr lang="en-US" dirty="0"/>
+              <a:t>5. Support gender inclusive spaces / initiatives</a:t>
+            </a:r>
+          </a:p>
+        </p:txBody>
+      </p:sp>
+      <p:sp>
+        <p:nvSpPr>
+          <p:cNvPr id="9" name="Content Placeholder 8">
+            <a:extLst>
+              <a:ext uri="{FF2B5EF4-FFF2-40B4-BE49-F238E27FC236}">
+                <a16:creationId xmlns:a16="http://schemas.microsoft.com/office/drawing/2014/main" id="{FF7AE619-98E4-D920-99DA-3785C45BE4C1}"/>
+              </a:ext>
+            </a:extLst>
+          </p:cNvPr>
+          <p:cNvSpPr>
+            <a:spLocks noGrp="1"/>
+          </p:cNvSpPr>
+          <p:nvPr>
+            <p:ph idx="1"/>
+          </p:nvPr>
+        </p:nvSpPr>
+        <p:spPr/>
+        <p:txBody>
+          <a:bodyPr/>
+          <a:lstStyle/>
+          <a:p>
+            <a:endParaRPr lang="en-US" dirty="0"/>
+          </a:p>
+        </p:txBody>
+      </p:sp>
+      <p:sp>
+        <p:nvSpPr>
+          <p:cNvPr id="5" name="Slide Number Placeholder 4">
+            <a:extLst>
+              <a:ext uri="{FF2B5EF4-FFF2-40B4-BE49-F238E27FC236}">
+                <a16:creationId xmlns:a16="http://schemas.microsoft.com/office/drawing/2014/main" id="{D9C41AE7-09CE-84B1-0C6F-ABA3317134C5}"/>
+              </a:ext>
+            </a:extLst>
+          </p:cNvPr>
+          <p:cNvSpPr>
+            <a:spLocks noGrp="1"/>
+          </p:cNvSpPr>
+          <p:nvPr>
+            <p:ph type="sldNum" sz="quarter" idx="12"/>
+          </p:nvPr>
+        </p:nvSpPr>
+        <p:spPr/>
+        <p:txBody>
+          <a:bodyPr/>
+          <a:lstStyle/>
+          <a:p>
+            <a:fld id="{48F63A3B-78C7-47BE-AE5E-E10140E04643}" type="slidenum">
+              <a:rPr lang="en-US" smtClean="0"/>
+              <a:pPr/>
+              <a:t>33</a:t>
+            </a:fld>
+            <a:endParaRPr lang="en-US" dirty="0"/>
+          </a:p>
+        </p:txBody>
+      </p:sp>
+    </p:spTree>
+    <p:extLst>
+      <p:ext uri="{BB962C8B-B14F-4D97-AF65-F5344CB8AC3E}">
+        <p14:creationId xmlns:p14="http://schemas.microsoft.com/office/powerpoint/2010/main" val="1191556130"/>
+      </p:ext>
+    </p:extLst>
+  </p:cSld>
+  <p:clrMapOvr>
+    <a:masterClrMapping/>
+  </p:clrMapOvr>
+  <mc:AlternateContent xmlns:mc="http://schemas.openxmlformats.org/markup-compatibility/2006">
+    <mc:Choice xmlns:p159="http://schemas.microsoft.com/office/powerpoint/2015/09/main" Requires="p159">
+      <p:transition spd="slow">
+        <p159:morph option="byObject"/>
+      </p:transition>
+    </mc:Choice>
+    <mc:Fallback>
+      <p:transition spd="slow">
+        <p:fade/>
+      </p:transition>
+    </mc:Fallback>
+  </mc:AlternateContent>
+</p:sld>
+</file>
+
+<file path=ppt/slides/slide34.xml><?xml version="1.0" encoding="utf-8"?>
+<p:sld xmlns:a="http://schemas.openxmlformats.org/drawingml/2006/main" xmlns:r="http://schemas.openxmlformats.org/officeDocument/2006/relationships" xmlns:p="http://schemas.openxmlformats.org/presentationml/2006/main">
+  <p:cSld>
+    <p:spTree>
+      <p:nvGrpSpPr>
+        <p:cNvPr id="1" name="">
+          <a:extLst>
+            <a:ext uri="{FF2B5EF4-FFF2-40B4-BE49-F238E27FC236}">
+              <a16:creationId xmlns:a16="http://schemas.microsoft.com/office/drawing/2014/main" id="{F87050CE-28B6-FDE6-EB40-38A3EAF7D67B}"/>
+            </a:ext>
+          </a:extLst>
+        </p:cNvPr>
+        <p:cNvGrpSpPr/>
+        <p:nvPr/>
+      </p:nvGrpSpPr>
+      <p:grpSpPr>
+        <a:xfrm>
+          <a:off x="0" y="0"/>
+          <a:ext cx="0" cy="0"/>
+          <a:chOff x="0" y="0"/>
+          <a:chExt cx="0" cy="0"/>
+        </a:xfrm>
+      </p:grpSpPr>
+      <p:sp>
+        <p:nvSpPr>
+          <p:cNvPr id="8" name="Title 7">
+            <a:extLst>
+              <a:ext uri="{FF2B5EF4-FFF2-40B4-BE49-F238E27FC236}">
+                <a16:creationId xmlns:a16="http://schemas.microsoft.com/office/drawing/2014/main" id="{C5A7A036-5941-C206-BC71-A66B4A81082F}"/>
+              </a:ext>
+            </a:extLst>
+          </p:cNvPr>
+          <p:cNvSpPr>
+            <a:spLocks noGrp="1"/>
+          </p:cNvSpPr>
+          <p:nvPr>
+            <p:ph type="title"/>
+          </p:nvPr>
+        </p:nvSpPr>
+        <p:spPr/>
+        <p:txBody>
+          <a:bodyPr/>
+          <a:lstStyle/>
+          <a:p>
+            <a:r>
+              <a:rPr lang="en-US" dirty="0"/>
+              <a:t>6. Know your limits as an ally</a:t>
+            </a:r>
+          </a:p>
+        </p:txBody>
+      </p:sp>
+      <p:sp>
+        <p:nvSpPr>
+          <p:cNvPr id="9" name="Content Placeholder 8">
+            <a:extLst>
+              <a:ext uri="{FF2B5EF4-FFF2-40B4-BE49-F238E27FC236}">
+                <a16:creationId xmlns:a16="http://schemas.microsoft.com/office/drawing/2014/main" id="{A70D840E-30A7-1378-EF21-38CF8720BCDA}"/>
+              </a:ext>
+            </a:extLst>
+          </p:cNvPr>
+          <p:cNvSpPr>
+            <a:spLocks noGrp="1"/>
+          </p:cNvSpPr>
+          <p:nvPr>
+            <p:ph idx="1"/>
+          </p:nvPr>
+        </p:nvSpPr>
+        <p:spPr/>
+        <p:txBody>
+          <a:bodyPr/>
+          <a:lstStyle/>
+          <a:p>
+            <a:endParaRPr lang="en-US" dirty="0"/>
+          </a:p>
+        </p:txBody>
+      </p:sp>
+      <p:sp>
+        <p:nvSpPr>
+          <p:cNvPr id="5" name="Slide Number Placeholder 4">
+            <a:extLst>
+              <a:ext uri="{FF2B5EF4-FFF2-40B4-BE49-F238E27FC236}">
+                <a16:creationId xmlns:a16="http://schemas.microsoft.com/office/drawing/2014/main" id="{07206118-44CA-D277-EC1B-B3ED02C44374}"/>
+              </a:ext>
+            </a:extLst>
+          </p:cNvPr>
+          <p:cNvSpPr>
+            <a:spLocks noGrp="1"/>
+          </p:cNvSpPr>
+          <p:nvPr>
+            <p:ph type="sldNum" sz="quarter" idx="12"/>
+          </p:nvPr>
+        </p:nvSpPr>
+        <p:spPr/>
+        <p:txBody>
+          <a:bodyPr/>
+          <a:lstStyle/>
+          <a:p>
+            <a:fld id="{48F63A3B-78C7-47BE-AE5E-E10140E04643}" type="slidenum">
+              <a:rPr lang="en-US" smtClean="0"/>
+              <a:pPr/>
+              <a:t>34</a:t>
+            </a:fld>
+            <a:endParaRPr lang="en-US" dirty="0"/>
+          </a:p>
+        </p:txBody>
+      </p:sp>
+    </p:spTree>
+    <p:extLst>
+      <p:ext uri="{BB962C8B-B14F-4D97-AF65-F5344CB8AC3E}">
+        <p14:creationId xmlns:p14="http://schemas.microsoft.com/office/powerpoint/2010/main" val="3408719505"/>
+      </p:ext>
+    </p:extLst>
+  </p:cSld>
+  <p:clrMapOvr>
+    <a:masterClrMapping/>
+  </p:clrMapOvr>
+  <mc:AlternateContent xmlns:mc="http://schemas.openxmlformats.org/markup-compatibility/2006">
+    <mc:Choice xmlns:p159="http://schemas.microsoft.com/office/powerpoint/2015/09/main" Requires="p159">
+      <p:transition spd="slow">
+        <p159:morph option="byObject"/>
+      </p:transition>
+    </mc:Choice>
+    <mc:Fallback>
+      <p:transition spd="slow">
+        <p:fade/>
+      </p:transition>
+    </mc:Fallback>
+  </mc:AlternateContent>
+</p:sld>
+</file>
+
+<file path=ppt/slides/slide35.xml><?xml version="1.0" encoding="utf-8"?>
+<p:sld xmlns:a="http://schemas.openxmlformats.org/drawingml/2006/main" xmlns:r="http://schemas.openxmlformats.org/officeDocument/2006/relationships" xmlns:p="http://schemas.openxmlformats.org/presentationml/2006/main">
+  <p:cSld>
+    <p:spTree>
+      <p:nvGrpSpPr>
+        <p:cNvPr id="1" name="">
+          <a:extLst>
+            <a:ext uri="{FF2B5EF4-FFF2-40B4-BE49-F238E27FC236}">
+              <a16:creationId xmlns:a16="http://schemas.microsoft.com/office/drawing/2014/main" id="{E946DF3B-39A8-086C-8967-70985432B4AB}"/>
+            </a:ext>
+          </a:extLst>
+        </p:cNvPr>
+        <p:cNvGrpSpPr/>
+        <p:nvPr/>
+      </p:nvGrpSpPr>
+      <p:grpSpPr>
+        <a:xfrm>
+          <a:off x="0" y="0"/>
+          <a:ext cx="0" cy="0"/>
+          <a:chOff x="0" y="0"/>
+          <a:chExt cx="0" cy="0"/>
+        </a:xfrm>
+      </p:grpSpPr>
+      <p:sp>
+        <p:nvSpPr>
+          <p:cNvPr id="8" name="Title 7">
+            <a:extLst>
+              <a:ext uri="{FF2B5EF4-FFF2-40B4-BE49-F238E27FC236}">
+                <a16:creationId xmlns:a16="http://schemas.microsoft.com/office/drawing/2014/main" id="{285FAC9D-45D2-B0A6-DB05-E10AEBEEF71B}"/>
+              </a:ext>
+            </a:extLst>
+          </p:cNvPr>
+          <p:cNvSpPr>
+            <a:spLocks noGrp="1"/>
+          </p:cNvSpPr>
+          <p:nvPr>
+            <p:ph type="title"/>
+          </p:nvPr>
+        </p:nvSpPr>
+        <p:spPr/>
+        <p:txBody>
+          <a:bodyPr/>
+          <a:lstStyle/>
+          <a:p>
+            <a:r>
+              <a:rPr lang="en-US" dirty="0"/>
+              <a:t>7. Use gender affirmative terms</a:t>
+            </a:r>
+          </a:p>
+        </p:txBody>
+      </p:sp>
+      <p:sp>
+        <p:nvSpPr>
+          <p:cNvPr id="9" name="Content Placeholder 8">
+            <a:extLst>
+              <a:ext uri="{FF2B5EF4-FFF2-40B4-BE49-F238E27FC236}">
+                <a16:creationId xmlns:a16="http://schemas.microsoft.com/office/drawing/2014/main" id="{8DE34196-247A-C2BC-CCEE-CF017485D1A1}"/>
+              </a:ext>
+            </a:extLst>
+          </p:cNvPr>
+          <p:cNvSpPr>
+            <a:spLocks noGrp="1"/>
+          </p:cNvSpPr>
+          <p:nvPr>
+            <p:ph idx="1"/>
+          </p:nvPr>
+        </p:nvSpPr>
+        <p:spPr/>
+        <p:txBody>
+          <a:bodyPr/>
+          <a:lstStyle/>
+          <a:p>
+            <a:endParaRPr lang="en-US" dirty="0"/>
+          </a:p>
+          <a:p>
+            <a:endParaRPr lang="en-US" dirty="0"/>
+          </a:p>
+          <a:p>
+            <a:r>
+              <a:rPr lang="en-US" dirty="0"/>
+              <a:t>(see supplementary material)</a:t>
+            </a:r>
+          </a:p>
+        </p:txBody>
+      </p:sp>
+      <p:sp>
+        <p:nvSpPr>
+          <p:cNvPr id="5" name="Slide Number Placeholder 4">
+            <a:extLst>
+              <a:ext uri="{FF2B5EF4-FFF2-40B4-BE49-F238E27FC236}">
+                <a16:creationId xmlns:a16="http://schemas.microsoft.com/office/drawing/2014/main" id="{A7605C13-AE69-1344-251D-9C09222E2C13}"/>
+              </a:ext>
+            </a:extLst>
+          </p:cNvPr>
+          <p:cNvSpPr>
+            <a:spLocks noGrp="1"/>
+          </p:cNvSpPr>
+          <p:nvPr>
+            <p:ph type="sldNum" sz="quarter" idx="12"/>
+          </p:nvPr>
+        </p:nvSpPr>
+        <p:spPr/>
+        <p:txBody>
+          <a:bodyPr/>
+          <a:lstStyle/>
+          <a:p>
+            <a:fld id="{48F63A3B-78C7-47BE-AE5E-E10140E04643}" type="slidenum">
+              <a:rPr lang="en-US" smtClean="0"/>
+              <a:pPr/>
+              <a:t>35</a:t>
+            </a:fld>
+            <a:endParaRPr lang="en-US" dirty="0"/>
+          </a:p>
+        </p:txBody>
+      </p:sp>
+    </p:spTree>
+    <p:extLst>
+      <p:ext uri="{BB962C8B-B14F-4D97-AF65-F5344CB8AC3E}">
+        <p14:creationId xmlns:p14="http://schemas.microsoft.com/office/powerpoint/2010/main" val="3003918786"/>
+      </p:ext>
+    </p:extLst>
+  </p:cSld>
+  <p:clrMapOvr>
+    <a:masterClrMapping/>
+  </p:clrMapOvr>
+  <mc:AlternateContent xmlns:mc="http://schemas.openxmlformats.org/markup-compatibility/2006">
+    <mc:Choice xmlns:p159="http://schemas.microsoft.com/office/powerpoint/2015/09/main" Requires="p159">
+      <p:transition spd="slow">
+        <p159:morph option="byObject"/>
+      </p:transition>
+    </mc:Choice>
+    <mc:Fallback>
+      <p:transition spd="slow">
+        <p:fade/>
+      </p:transition>
+    </mc:Fallback>
+  </mc:AlternateContent>
+</p:sld>
+</file>
+
+<file path=ppt/slides/slide36.xml><?xml version="1.0" encoding="utf-8"?>
+<p:sld xmlns:a="http://schemas.openxmlformats.org/drawingml/2006/main" xmlns:r="http://schemas.openxmlformats.org/officeDocument/2006/relationships" xmlns:p="http://schemas.openxmlformats.org/presentationml/2006/main">
+  <p:cSld>
+    <p:spTree>
+      <p:nvGrpSpPr>
+        <p:cNvPr id="1" name="">
+          <a:extLst>
+            <a:ext uri="{FF2B5EF4-FFF2-40B4-BE49-F238E27FC236}">
+              <a16:creationId xmlns:a16="http://schemas.microsoft.com/office/drawing/2014/main" id="{03D60DE7-CEDC-356D-35DA-EB5F53F8A858}"/>
+            </a:ext>
+          </a:extLst>
+        </p:cNvPr>
+        <p:cNvGrpSpPr/>
+        <p:nvPr/>
+      </p:nvGrpSpPr>
+      <p:grpSpPr>
+        <a:xfrm>
+          <a:off x="0" y="0"/>
+          <a:ext cx="0" cy="0"/>
+          <a:chOff x="0" y="0"/>
+          <a:chExt cx="0" cy="0"/>
+        </a:xfrm>
+      </p:grpSpPr>
+      <p:sp>
+        <p:nvSpPr>
+          <p:cNvPr id="2" name="Title 1">
+            <a:extLst>
+              <a:ext uri="{FF2B5EF4-FFF2-40B4-BE49-F238E27FC236}">
+                <a16:creationId xmlns:a16="http://schemas.microsoft.com/office/drawing/2014/main" id="{92F51059-85DD-17CD-EF43-FC2E0B9985BD}"/>
+              </a:ext>
+            </a:extLst>
+          </p:cNvPr>
+          <p:cNvSpPr>
+            <a:spLocks noGrp="1"/>
+          </p:cNvSpPr>
+          <p:nvPr>
+            <p:ph type="ctrTitle"/>
+          </p:nvPr>
+        </p:nvSpPr>
+        <p:spPr/>
+        <p:txBody>
+          <a:bodyPr/>
+          <a:lstStyle/>
+          <a:p>
+            <a:r>
+              <a:rPr lang="en-US" dirty="0"/>
+              <a:t>THANK YOU!</a:t>
+            </a:r>
+          </a:p>
+        </p:txBody>
+      </p:sp>
+      <p:sp>
+        <p:nvSpPr>
+          <p:cNvPr id="3" name="Subtitle 2">
+            <a:extLst>
+              <a:ext uri="{FF2B5EF4-FFF2-40B4-BE49-F238E27FC236}">
+                <a16:creationId xmlns:a16="http://schemas.microsoft.com/office/drawing/2014/main" id="{34F408DA-49A5-233A-7777-AFBF3C649566}"/>
+              </a:ext>
+            </a:extLst>
+          </p:cNvPr>
+          <p:cNvSpPr>
+            <a:spLocks noGrp="1"/>
+          </p:cNvSpPr>
+          <p:nvPr>
+            <p:ph type="subTitle" idx="1"/>
+          </p:nvPr>
+        </p:nvSpPr>
+        <p:spPr/>
+        <p:txBody>
+          <a:bodyPr/>
+          <a:lstStyle/>
+          <a:p>
+            <a:endParaRPr lang="en-US" dirty="0"/>
+          </a:p>
+        </p:txBody>
+      </p:sp>
+    </p:spTree>
+    <p:extLst>
+      <p:ext uri="{BB962C8B-B14F-4D97-AF65-F5344CB8AC3E}">
+        <p14:creationId xmlns:p14="http://schemas.microsoft.com/office/powerpoint/2010/main" val="914696989"/>
+      </p:ext>
+    </p:extLst>
+  </p:cSld>
+  <p:clrMapOvr>
+    <a:masterClrMapping/>
+  </p:clrMapOvr>
+  <mc:AlternateContent xmlns:mc="http://schemas.openxmlformats.org/markup-compatibility/2006" xmlns:p159="http://schemas.microsoft.com/office/powerpoint/2015/09/main">
+    <mc:Choice Requires="p159">
+      <p:transition spd="slow">
+        <p159:morph option="byObject"/>
+      </p:transition>
+    </mc:Choice>
+    <mc:Fallback xmlns="">
       <p:transition spd="slow">
         <p:fade/>
       </p:transition>
@@ -44305,13 +46377,13 @@
   <p:clrMapOvr>
     <a:masterClrMapping/>
   </p:clrMapOvr>
-  <mc:AlternateContent xmlns:mc="http://schemas.openxmlformats.org/markup-compatibility/2006">
-    <mc:Choice xmlns:p159="http://schemas.microsoft.com/office/powerpoint/2015/09/main" Requires="p159">
+  <mc:AlternateContent xmlns:mc="http://schemas.openxmlformats.org/markup-compatibility/2006" xmlns:p159="http://schemas.microsoft.com/office/powerpoint/2015/09/main">
+    <mc:Choice Requires="p159">
       <p:transition spd="slow">
         <p159:morph option="byObject"/>
       </p:transition>
     </mc:Choice>
-    <mc:Fallback>
+    <mc:Fallback xmlns="">
       <p:transition spd="slow">
         <p:fade/>
       </p:transition>
@@ -44996,13 +47068,13 @@
   <p:clrMapOvr>
     <a:masterClrMapping/>
   </p:clrMapOvr>
-  <mc:AlternateContent xmlns:mc="http://schemas.openxmlformats.org/markup-compatibility/2006">
-    <mc:Choice xmlns:p159="http://schemas.microsoft.com/office/powerpoint/2015/09/main" Requires="p159">
+  <mc:AlternateContent xmlns:mc="http://schemas.openxmlformats.org/markup-compatibility/2006" xmlns:p159="http://schemas.microsoft.com/office/powerpoint/2015/09/main">
+    <mc:Choice Requires="p159">
       <p:transition spd="slow">
         <p159:morph option="byObject"/>
       </p:transition>
     </mc:Choice>
-    <mc:Fallback>
+    <mc:Fallback xmlns="">
       <p:transition spd="slow">
         <p:fade/>
       </p:transition>
@@ -45491,13 +47563,13 @@
   <p:clrMapOvr>
     <a:masterClrMapping/>
   </p:clrMapOvr>
-  <mc:AlternateContent xmlns:mc="http://schemas.openxmlformats.org/markup-compatibility/2006">
-    <mc:Choice xmlns:p159="http://schemas.microsoft.com/office/powerpoint/2015/09/main" Requires="p159">
+  <mc:AlternateContent xmlns:mc="http://schemas.openxmlformats.org/markup-compatibility/2006" xmlns:p159="http://schemas.microsoft.com/office/powerpoint/2015/09/main">
+    <mc:Choice Requires="p159">
       <p:transition spd="slow">
         <p159:morph option="byObject"/>
       </p:transition>
     </mc:Choice>
-    <mc:Fallback>
+    <mc:Fallback xmlns="">
       <p:transition spd="slow">
         <p:fade/>
       </p:transition>
@@ -46236,13 +48308,13 @@
   <p:clrMapOvr>
     <a:masterClrMapping/>
   </p:clrMapOvr>
-  <mc:AlternateContent xmlns:mc="http://schemas.openxmlformats.org/markup-compatibility/2006">
-    <mc:Choice xmlns:p159="http://schemas.microsoft.com/office/powerpoint/2015/09/main" Requires="p159">
+  <mc:AlternateContent xmlns:mc="http://schemas.openxmlformats.org/markup-compatibility/2006" xmlns:p159="http://schemas.microsoft.com/office/powerpoint/2015/09/main">
+    <mc:Choice Requires="p159">
       <p:transition spd="slow">
         <p159:morph option="byObject"/>
       </p:transition>
     </mc:Choice>
-    <mc:Fallback>
+    <mc:Fallback xmlns="">
       <p:transition spd="slow">
         <p:fade/>
       </p:transition>
@@ -46955,13 +49027,13 @@
   <p:clrMapOvr>
     <a:masterClrMapping/>
   </p:clrMapOvr>
-  <mc:AlternateContent xmlns:mc="http://schemas.openxmlformats.org/markup-compatibility/2006">
-    <mc:Choice xmlns:p159="http://schemas.microsoft.com/office/powerpoint/2015/09/main" Requires="p159">
+  <mc:AlternateContent xmlns:mc="http://schemas.openxmlformats.org/markup-compatibility/2006" xmlns:p159="http://schemas.microsoft.com/office/powerpoint/2015/09/main">
+    <mc:Choice Requires="p159">
       <p:transition spd="slow">
         <p159:morph option="byObject"/>
       </p:transition>
     </mc:Choice>
-    <mc:Fallback>
+    <mc:Fallback xmlns="">
       <p:transition spd="slow">
         <p:fade/>
       </p:transition>
@@ -47988,13 +50060,13 @@
   <p:clrMapOvr>
     <a:masterClrMapping/>
   </p:clrMapOvr>
-  <mc:AlternateContent xmlns:mc="http://schemas.openxmlformats.org/markup-compatibility/2006">
-    <mc:Choice xmlns:p159="http://schemas.microsoft.com/office/powerpoint/2015/09/main" Requires="p159">
+  <mc:AlternateContent xmlns:mc="http://schemas.openxmlformats.org/markup-compatibility/2006" xmlns:p159="http://schemas.microsoft.com/office/powerpoint/2015/09/main">
+    <mc:Choice Requires="p159">
       <p:transition spd="slow">
         <p159:morph option="byObject"/>
       </p:transition>
     </mc:Choice>
-    <mc:Fallback>
+    <mc:Fallback xmlns="">
       <p:transition spd="slow">
         <p:fade/>
       </p:transition>
@@ -48520,15 +50592,6 @@
 </file>
 
 <file path=customXml/item2.xml><?xml version="1.0" encoding="utf-8"?>
-<?mso-contentType ?>
-<FormTemplates xmlns="http://schemas.microsoft.com/sharepoint/v3/contenttype/forms">
-  <Display>DocumentLibraryForm</Display>
-  <Edit>DocumentLibraryForm</Edit>
-  <New>DocumentLibraryForm</New>
-</FormTemplates>
-</file>
-
-<file path=customXml/item3.xml><?xml version="1.0" encoding="utf-8"?>
 <ct:contentTypeSchema xmlns:ct="http://schemas.microsoft.com/office/2006/metadata/contentType" xmlns:ma="http://schemas.microsoft.com/office/2006/metadata/properties/metaAttributes" ct:_="" ma:_="" ma:contentTypeName="Document" ma:contentTypeID="0x01010079F111ED35F8CC479449609E8A0923A6" ma:contentTypeVersion="28" ma:contentTypeDescription="Create a new document." ma:contentTypeScope="" ma:versionID="60f5a4f2d2b0abadcf532d48ebf9cb71">
   <xsd:schema xmlns:xsd="http://www.w3.org/2001/XMLSchema" xmlns:xs="http://www.w3.org/2001/XMLSchema" xmlns:p="http://schemas.microsoft.com/office/2006/metadata/properties" xmlns:ns1="http://schemas.microsoft.com/sharepoint/v3" xmlns:ns2="71af3243-3dd4-4a8d-8c0d-dd76da1f02a5" xmlns:ns3="16c05727-aa75-4e4a-9b5f-8a80a1165891" xmlns:ns4="230e9df3-be65-4c73-a93b-d1236ebd677e" targetNamespace="http://schemas.microsoft.com/office/2006/metadata/properties" ma:root="true" ma:fieldsID="7dd78129e6a1811f84807ad11c651531" ns1:_="" ns2:_="" ns3:_="" ns4:_="">
     <xsd:import namespace="http://schemas.microsoft.com/sharepoint/v3"/>
@@ -48840,6 +50903,15 @@
 </ct:contentTypeSchema>
 </file>
 
+<file path=customXml/item3.xml><?xml version="1.0" encoding="utf-8"?>
+<?mso-contentType ?>
+<FormTemplates xmlns="http://schemas.microsoft.com/sharepoint/v3/contenttype/forms">
+  <Display>DocumentLibraryForm</Display>
+  <Edit>DocumentLibraryForm</Edit>
+  <New>DocumentLibraryForm</New>
+</FormTemplates>
+</file>
+
 <file path=customXml/itemProps1.xml><?xml version="1.0" encoding="utf-8"?>
 <ds:datastoreItem xmlns:ds="http://schemas.openxmlformats.org/officeDocument/2006/customXml" ds:itemID="{D235FEF8-1733-4347-95CE-3BB62B2B8DD7}">
   <ds:schemaRefs>
@@ -48853,14 +50925,6 @@
 </file>
 
 <file path=customXml/itemProps2.xml><?xml version="1.0" encoding="utf-8"?>
-<ds:datastoreItem xmlns:ds="http://schemas.openxmlformats.org/officeDocument/2006/customXml" ds:itemID="{69060146-7700-4F6C-986B-89E3839BD4ED}">
-  <ds:schemaRefs>
-    <ds:schemaRef ds:uri="http://schemas.microsoft.com/sharepoint/v3/contenttype/forms"/>
-  </ds:schemaRefs>
-</ds:datastoreItem>
-</file>
-
-<file path=customXml/itemProps3.xml><?xml version="1.0" encoding="utf-8"?>
 <ds:datastoreItem xmlns:ds="http://schemas.openxmlformats.org/officeDocument/2006/customXml" ds:itemID="{08FC98CF-E78A-425D-90FD-55D1C468A34F}">
   <ds:schemaRefs>
     <ds:schemaRef ds:uri="http://schemas.microsoft.com/office/2006/metadata/contentType"/>
@@ -48881,6 +50945,14 @@
 </ds:datastoreItem>
 </file>
 
+<file path=customXml/itemProps3.xml><?xml version="1.0" encoding="utf-8"?>
+<ds:datastoreItem xmlns:ds="http://schemas.openxmlformats.org/officeDocument/2006/customXml" ds:itemID="{69060146-7700-4F6C-986B-89E3839BD4ED}">
+  <ds:schemaRefs>
+    <ds:schemaRef ds:uri="http://schemas.microsoft.com/sharepoint/v3/contenttype/forms"/>
+  </ds:schemaRefs>
+</ds:datastoreItem>
+</file>
+
 <file path=docMetadata/LabelInfo.xml><?xml version="1.0" encoding="utf-8"?>
 <clbl:labelList xmlns:clbl="http://schemas.microsoft.com/office/2020/mipLabelMetadata"/>
 </file>